--- a/Poster.pptx
+++ b/Poster.pptx
@@ -6,6 +6,7 @@
   </p:sldMasterIdLst>
   <p:sldIdLst>
     <p:sldId id="256" r:id="rId2"/>
+    <p:sldId id="257" r:id="rId3"/>
   </p:sldIdLst>
   <p:sldSz cx="12192000" cy="6858000"/>
   <p:notesSz cx="6858000" cy="9144000"/>
@@ -3323,51 +3324,217 @@
       </p:grpSpPr>
       <p:sp>
         <p:nvSpPr>
-          <p:cNvPr id="2" name="Title 1">
-            <a:extLst>
-              <a:ext uri="{FF2B5EF4-FFF2-40B4-BE49-F238E27FC236}">
-                <a16:creationId xmlns:a16="http://schemas.microsoft.com/office/drawing/2014/main" id="{90E73826-C391-4BDA-BC8D-5DBA6494BD8A}"/>
-              </a:ext>
-            </a:extLst>
-          </p:cNvPr>
-          <p:cNvSpPr>
-            <a:spLocks noGrp="1"/>
-          </p:cNvSpPr>
-          <p:nvPr>
-            <p:ph type="ctrTitle"/>
-          </p:nvPr>
-        </p:nvSpPr>
-        <p:spPr/>
-        <p:txBody>
-          <a:bodyPr/>
-          <a:lstStyle/>
-          <a:p>
-            <a:endParaRPr lang="en-US"/>
-          </a:p>
-        </p:txBody>
-      </p:sp>
-      <p:sp>
-        <p:nvSpPr>
-          <p:cNvPr id="3" name="Subtitle 2">
-            <a:extLst>
-              <a:ext uri="{FF2B5EF4-FFF2-40B4-BE49-F238E27FC236}">
-                <a16:creationId xmlns:a16="http://schemas.microsoft.com/office/drawing/2014/main" id="{4893AC2A-E398-46DE-B32B-4BBF40113DE0}"/>
-              </a:ext>
-            </a:extLst>
-          </p:cNvPr>
-          <p:cNvSpPr>
-            <a:spLocks noGrp="1"/>
-          </p:cNvSpPr>
-          <p:nvPr>
-            <p:ph type="subTitle" idx="1"/>
-          </p:nvPr>
-        </p:nvSpPr>
-        <p:spPr/>
-        <p:txBody>
-          <a:bodyPr/>
-          <a:lstStyle/>
-          <a:p>
-            <a:endParaRPr lang="en-US"/>
+          <p:cNvPr id="4" name="TextBox 3">
+            <a:extLst>
+              <a:ext uri="{FF2B5EF4-FFF2-40B4-BE49-F238E27FC236}">
+                <a16:creationId xmlns:a16="http://schemas.microsoft.com/office/drawing/2014/main" id="{579A4D21-C1AF-4900-9199-758324290211}"/>
+              </a:ext>
+            </a:extLst>
+          </p:cNvPr>
+          <p:cNvSpPr txBox="1"/>
+          <p:nvPr/>
+        </p:nvSpPr>
+        <p:spPr>
+          <a:xfrm>
+            <a:off x="2473569" y="430823"/>
+            <a:ext cx="7244861" cy="461665"/>
+          </a:xfrm>
+          <a:prstGeom prst="rect">
+            <a:avLst/>
+          </a:prstGeom>
+          <a:noFill/>
+        </p:spPr>
+        <p:txBody>
+          <a:bodyPr wrap="square" rtlCol="0">
+            <a:spAutoFit/>
+          </a:bodyPr>
+          <a:lstStyle/>
+          <a:p>
+            <a:pPr algn="ctr"/>
+            <a:r>
+              <a:rPr lang="en-US" sz="2400" u="sng" dirty="0"/>
+              <a:t>TITLE</a:t>
+            </a:r>
+          </a:p>
+        </p:txBody>
+      </p:sp>
+      <p:sp>
+        <p:nvSpPr>
+          <p:cNvPr id="5" name="TextBox 4">
+            <a:extLst>
+              <a:ext uri="{FF2B5EF4-FFF2-40B4-BE49-F238E27FC236}">
+                <a16:creationId xmlns:a16="http://schemas.microsoft.com/office/drawing/2014/main" id="{2DFC1650-3772-4B25-A222-8F129C1B3FA7}"/>
+              </a:ext>
+            </a:extLst>
+          </p:cNvPr>
+          <p:cNvSpPr txBox="1"/>
+          <p:nvPr/>
+        </p:nvSpPr>
+        <p:spPr>
+          <a:xfrm>
+            <a:off x="384663" y="1107831"/>
+            <a:ext cx="4177812" cy="369332"/>
+          </a:xfrm>
+          <a:prstGeom prst="rect">
+            <a:avLst/>
+          </a:prstGeom>
+          <a:noFill/>
+        </p:spPr>
+        <p:txBody>
+          <a:bodyPr wrap="square" rtlCol="0">
+            <a:spAutoFit/>
+          </a:bodyPr>
+          <a:lstStyle/>
+          <a:p>
+            <a:pPr algn="ctr"/>
+            <a:r>
+              <a:rPr lang="en-US" u="sng" dirty="0"/>
+              <a:t>Overview/Problem</a:t>
+            </a:r>
+          </a:p>
+        </p:txBody>
+      </p:sp>
+      <p:sp>
+        <p:nvSpPr>
+          <p:cNvPr id="6" name="TextBox 5">
+            <a:extLst>
+              <a:ext uri="{FF2B5EF4-FFF2-40B4-BE49-F238E27FC236}">
+                <a16:creationId xmlns:a16="http://schemas.microsoft.com/office/drawing/2014/main" id="{6C9F7241-E6B6-4D0B-90C1-7E1E7079958B}"/>
+              </a:ext>
+            </a:extLst>
+          </p:cNvPr>
+          <p:cNvSpPr txBox="1"/>
+          <p:nvPr/>
+        </p:nvSpPr>
+        <p:spPr>
+          <a:xfrm>
+            <a:off x="4007093" y="1107831"/>
+            <a:ext cx="4177812" cy="369332"/>
+          </a:xfrm>
+          <a:prstGeom prst="rect">
+            <a:avLst/>
+          </a:prstGeom>
+          <a:noFill/>
+        </p:spPr>
+        <p:txBody>
+          <a:bodyPr wrap="square" rtlCol="0">
+            <a:spAutoFit/>
+          </a:bodyPr>
+          <a:lstStyle/>
+          <a:p>
+            <a:pPr algn="ctr"/>
+            <a:r>
+              <a:rPr lang="en-US" u="sng" dirty="0"/>
+              <a:t>Linear Algebra Concepts</a:t>
+            </a:r>
+          </a:p>
+        </p:txBody>
+      </p:sp>
+      <p:sp>
+        <p:nvSpPr>
+          <p:cNvPr id="7" name="TextBox 6">
+            <a:extLst>
+              <a:ext uri="{FF2B5EF4-FFF2-40B4-BE49-F238E27FC236}">
+                <a16:creationId xmlns:a16="http://schemas.microsoft.com/office/drawing/2014/main" id="{3CAE4EFF-8C4A-419F-B89F-55F4AD3412AE}"/>
+              </a:ext>
+            </a:extLst>
+          </p:cNvPr>
+          <p:cNvSpPr txBox="1"/>
+          <p:nvPr/>
+        </p:nvSpPr>
+        <p:spPr>
+          <a:xfrm>
+            <a:off x="7629523" y="1107831"/>
+            <a:ext cx="4177812" cy="369332"/>
+          </a:xfrm>
+          <a:prstGeom prst="rect">
+            <a:avLst/>
+          </a:prstGeom>
+          <a:noFill/>
+        </p:spPr>
+        <p:txBody>
+          <a:bodyPr wrap="square" rtlCol="0">
+            <a:spAutoFit/>
+          </a:bodyPr>
+          <a:lstStyle/>
+          <a:p>
+            <a:pPr algn="ctr"/>
+            <a:r>
+              <a:rPr lang="en-US" u="sng" dirty="0"/>
+              <a:t>Tests</a:t>
+            </a:r>
+          </a:p>
+        </p:txBody>
+      </p:sp>
+      <p:sp>
+        <p:nvSpPr>
+          <p:cNvPr id="8" name="TextBox 7">
+            <a:extLst>
+              <a:ext uri="{FF2B5EF4-FFF2-40B4-BE49-F238E27FC236}">
+                <a16:creationId xmlns:a16="http://schemas.microsoft.com/office/drawing/2014/main" id="{03FF0DED-D171-4CDF-9492-3F9D4C35A755}"/>
+              </a:ext>
+            </a:extLst>
+          </p:cNvPr>
+          <p:cNvSpPr txBox="1"/>
+          <p:nvPr/>
+        </p:nvSpPr>
+        <p:spPr>
+          <a:xfrm>
+            <a:off x="386127" y="3429000"/>
+            <a:ext cx="4177812" cy="369332"/>
+          </a:xfrm>
+          <a:prstGeom prst="rect">
+            <a:avLst/>
+          </a:prstGeom>
+          <a:noFill/>
+        </p:spPr>
+        <p:txBody>
+          <a:bodyPr wrap="square" rtlCol="0">
+            <a:spAutoFit/>
+          </a:bodyPr>
+          <a:lstStyle/>
+          <a:p>
+            <a:pPr algn="ctr"/>
+            <a:r>
+              <a:rPr lang="en-US" u="sng" dirty="0"/>
+              <a:t>Process</a:t>
+            </a:r>
+          </a:p>
+        </p:txBody>
+      </p:sp>
+      <p:sp>
+        <p:nvSpPr>
+          <p:cNvPr id="9" name="TextBox 8">
+            <a:extLst>
+              <a:ext uri="{FF2B5EF4-FFF2-40B4-BE49-F238E27FC236}">
+                <a16:creationId xmlns:a16="http://schemas.microsoft.com/office/drawing/2014/main" id="{6E674F1C-A57D-41E7-9B39-50FDD2772448}"/>
+              </a:ext>
+            </a:extLst>
+          </p:cNvPr>
+          <p:cNvSpPr txBox="1"/>
+          <p:nvPr/>
+        </p:nvSpPr>
+        <p:spPr>
+          <a:xfrm>
+            <a:off x="7629523" y="3429000"/>
+            <a:ext cx="4177812" cy="369332"/>
+          </a:xfrm>
+          <a:prstGeom prst="rect">
+            <a:avLst/>
+          </a:prstGeom>
+          <a:noFill/>
+        </p:spPr>
+        <p:txBody>
+          <a:bodyPr wrap="square" rtlCol="0">
+            <a:spAutoFit/>
+          </a:bodyPr>
+          <a:lstStyle/>
+          <a:p>
+            <a:pPr algn="ctr"/>
+            <a:r>
+              <a:rPr lang="en-US" u="sng" dirty="0"/>
+              <a:t>Further Expansion</a:t>
+            </a:r>
           </a:p>
         </p:txBody>
       </p:sp>
@@ -3375,6 +3542,86 @@
     <p:extLst>
       <p:ext uri="{BB962C8B-B14F-4D97-AF65-F5344CB8AC3E}">
         <p14:creationId xmlns:p14="http://schemas.microsoft.com/office/powerpoint/2010/main" val="3538126859"/>
+      </p:ext>
+    </p:extLst>
+  </p:cSld>
+  <p:clrMapOvr>
+    <a:masterClrMapping/>
+  </p:clrMapOvr>
+</p:sld>
+</file>
+
+<file path=ppt/slides/slide2.xml><?xml version="1.0" encoding="utf-8"?>
+<p:sld xmlns:a="http://schemas.openxmlformats.org/drawingml/2006/main" xmlns:r="http://schemas.openxmlformats.org/officeDocument/2006/relationships" xmlns:p="http://schemas.openxmlformats.org/presentationml/2006/main">
+  <p:cSld>
+    <p:spTree>
+      <p:nvGrpSpPr>
+        <p:cNvPr id="1" name=""/>
+        <p:cNvGrpSpPr/>
+        <p:nvPr/>
+      </p:nvGrpSpPr>
+      <p:grpSpPr>
+        <a:xfrm>
+          <a:off x="0" y="0"/>
+          <a:ext cx="0" cy="0"/>
+          <a:chOff x="0" y="0"/>
+          <a:chExt cx="0" cy="0"/>
+        </a:xfrm>
+      </p:grpSpPr>
+      <p:sp>
+        <p:nvSpPr>
+          <p:cNvPr id="2" name="Title 1">
+            <a:extLst>
+              <a:ext uri="{FF2B5EF4-FFF2-40B4-BE49-F238E27FC236}">
+                <a16:creationId xmlns:a16="http://schemas.microsoft.com/office/drawing/2014/main" id="{0EC9B28A-37B9-4722-9D07-46DA1367BAB5}"/>
+              </a:ext>
+            </a:extLst>
+          </p:cNvPr>
+          <p:cNvSpPr>
+            <a:spLocks noGrp="1"/>
+          </p:cNvSpPr>
+          <p:nvPr>
+            <p:ph type="title"/>
+          </p:nvPr>
+        </p:nvSpPr>
+        <p:spPr/>
+        <p:txBody>
+          <a:bodyPr/>
+          <a:lstStyle/>
+          <a:p>
+            <a:endParaRPr lang="en-US"/>
+          </a:p>
+        </p:txBody>
+      </p:sp>
+      <p:sp>
+        <p:nvSpPr>
+          <p:cNvPr id="3" name="Content Placeholder 2">
+            <a:extLst>
+              <a:ext uri="{FF2B5EF4-FFF2-40B4-BE49-F238E27FC236}">
+                <a16:creationId xmlns:a16="http://schemas.microsoft.com/office/drawing/2014/main" id="{9927ADD9-9723-4E10-A21A-928B404C9CC5}"/>
+              </a:ext>
+            </a:extLst>
+          </p:cNvPr>
+          <p:cNvSpPr>
+            <a:spLocks noGrp="1"/>
+          </p:cNvSpPr>
+          <p:nvPr>
+            <p:ph idx="1"/>
+          </p:nvPr>
+        </p:nvSpPr>
+        <p:spPr/>
+        <p:txBody>
+          <a:bodyPr/>
+          <a:lstStyle/>
+          <a:p>
+            <a:endParaRPr lang="en-US"/>
+          </a:p>
+        </p:txBody>
+      </p:sp>
+    </p:spTree>
+    <p:extLst>
+      <p:ext uri="{BB962C8B-B14F-4D97-AF65-F5344CB8AC3E}">
+        <p14:creationId xmlns:p14="http://schemas.microsoft.com/office/powerpoint/2010/main" val="1549993668"/>
       </p:ext>
     </p:extLst>
   </p:cSld>

--- a/Poster.pptx
+++ b/Poster.pptx
@@ -6,7 +6,6 @@
   </p:sldMasterIdLst>
   <p:sldIdLst>
     <p:sldId id="256" r:id="rId2"/>
-    <p:sldId id="257" r:id="rId3"/>
   </p:sldIdLst>
   <p:sldSz cx="12192000" cy="6858000"/>
   <p:notesSz cx="6858000" cy="9144000"/>
@@ -105,6 +104,11 @@
       </a:defRPr>
     </a:lvl9pPr>
   </p:defaultTextStyle>
+  <p:extLst>
+    <p:ext uri="{EFAFB233-063F-42B5-8137-9DF3F51BA10A}">
+      <p15:sldGuideLst xmlns:p15="http://schemas.microsoft.com/office/powerpoint/2012/main"/>
+    </p:ext>
+  </p:extLst>
 </p:presentation>
 </file>
 
@@ -255,7 +259,7 @@
           <a:p>
             <a:fld id="{813506D2-41B1-4164-9276-BA3365EC4562}" type="datetimeFigureOut">
               <a:rPr lang="en-US" smtClean="0"/>
-              <a:t>12/7/2018</a:t>
+              <a:t>12/7/18</a:t>
             </a:fld>
             <a:endParaRPr lang="en-US"/>
           </a:p>
@@ -453,7 +457,7 @@
           <a:p>
             <a:fld id="{813506D2-41B1-4164-9276-BA3365EC4562}" type="datetimeFigureOut">
               <a:rPr lang="en-US" smtClean="0"/>
-              <a:t>12/7/2018</a:t>
+              <a:t>12/7/18</a:t>
             </a:fld>
             <a:endParaRPr lang="en-US"/>
           </a:p>
@@ -661,7 +665,7 @@
           <a:p>
             <a:fld id="{813506D2-41B1-4164-9276-BA3365EC4562}" type="datetimeFigureOut">
               <a:rPr lang="en-US" smtClean="0"/>
-              <a:t>12/7/2018</a:t>
+              <a:t>12/7/18</a:t>
             </a:fld>
             <a:endParaRPr lang="en-US"/>
           </a:p>
@@ -859,7 +863,7 @@
           <a:p>
             <a:fld id="{813506D2-41B1-4164-9276-BA3365EC4562}" type="datetimeFigureOut">
               <a:rPr lang="en-US" smtClean="0"/>
-              <a:t>12/7/2018</a:t>
+              <a:t>12/7/18</a:t>
             </a:fld>
             <a:endParaRPr lang="en-US"/>
           </a:p>
@@ -1134,7 +1138,7 @@
           <a:p>
             <a:fld id="{813506D2-41B1-4164-9276-BA3365EC4562}" type="datetimeFigureOut">
               <a:rPr lang="en-US" smtClean="0"/>
-              <a:t>12/7/2018</a:t>
+              <a:t>12/7/18</a:t>
             </a:fld>
             <a:endParaRPr lang="en-US"/>
           </a:p>
@@ -1399,7 +1403,7 @@
           <a:p>
             <a:fld id="{813506D2-41B1-4164-9276-BA3365EC4562}" type="datetimeFigureOut">
               <a:rPr lang="en-US" smtClean="0"/>
-              <a:t>12/7/2018</a:t>
+              <a:t>12/7/18</a:t>
             </a:fld>
             <a:endParaRPr lang="en-US"/>
           </a:p>
@@ -1811,7 +1815,7 @@
           <a:p>
             <a:fld id="{813506D2-41B1-4164-9276-BA3365EC4562}" type="datetimeFigureOut">
               <a:rPr lang="en-US" smtClean="0"/>
-              <a:t>12/7/2018</a:t>
+              <a:t>12/7/18</a:t>
             </a:fld>
             <a:endParaRPr lang="en-US"/>
           </a:p>
@@ -1952,7 +1956,7 @@
           <a:p>
             <a:fld id="{813506D2-41B1-4164-9276-BA3365EC4562}" type="datetimeFigureOut">
               <a:rPr lang="en-US" smtClean="0"/>
-              <a:t>12/7/2018</a:t>
+              <a:t>12/7/18</a:t>
             </a:fld>
             <a:endParaRPr lang="en-US"/>
           </a:p>
@@ -2065,7 +2069,7 @@
           <a:p>
             <a:fld id="{813506D2-41B1-4164-9276-BA3365EC4562}" type="datetimeFigureOut">
               <a:rPr lang="en-US" smtClean="0"/>
-              <a:t>12/7/2018</a:t>
+              <a:t>12/7/18</a:t>
             </a:fld>
             <a:endParaRPr lang="en-US"/>
           </a:p>
@@ -2376,7 +2380,7 @@
           <a:p>
             <a:fld id="{813506D2-41B1-4164-9276-BA3365EC4562}" type="datetimeFigureOut">
               <a:rPr lang="en-US" smtClean="0"/>
-              <a:t>12/7/2018</a:t>
+              <a:t>12/7/18</a:t>
             </a:fld>
             <a:endParaRPr lang="en-US"/>
           </a:p>
@@ -2664,7 +2668,7 @@
           <a:p>
             <a:fld id="{813506D2-41B1-4164-9276-BA3365EC4562}" type="datetimeFigureOut">
               <a:rPr lang="en-US" smtClean="0"/>
-              <a:t>12/7/2018</a:t>
+              <a:t>12/7/18</a:t>
             </a:fld>
             <a:endParaRPr lang="en-US"/>
           </a:p>
@@ -2905,7 +2909,7 @@
           <a:p>
             <a:fld id="{813506D2-41B1-4164-9276-BA3365EC4562}" type="datetimeFigureOut">
               <a:rPr lang="en-US" smtClean="0"/>
-              <a:t>12/7/2018</a:t>
+              <a:t>12/7/18</a:t>
             </a:fld>
             <a:endParaRPr lang="en-US"/>
           </a:p>
@@ -3336,8 +3340,8 @@
         </p:nvSpPr>
         <p:spPr>
           <a:xfrm>
-            <a:off x="2473569" y="430823"/>
-            <a:ext cx="7244861" cy="461665"/>
+            <a:off x="0" y="417878"/>
+            <a:ext cx="12192000" cy="461665"/>
           </a:xfrm>
           <a:prstGeom prst="rect">
             <a:avLst/>
@@ -3353,7 +3357,7 @@
             <a:pPr algn="ctr"/>
             <a:r>
               <a:rPr lang="en-US" sz="2400" u="sng" dirty="0"/>
-              <a:t>TITLE</a:t>
+              <a:t>Traffic Sign Recognition</a:t>
             </a:r>
           </a:p>
         </p:txBody>
@@ -3408,7 +3412,7 @@
         </p:nvSpPr>
         <p:spPr>
           <a:xfrm>
-            <a:off x="4007093" y="1107831"/>
+            <a:off x="4007093" y="1004053"/>
             <a:ext cx="4177812" cy="369332"/>
           </a:xfrm>
           <a:prstGeom prst="rect">
@@ -3444,7 +3448,7 @@
         </p:nvSpPr>
         <p:spPr>
           <a:xfrm>
-            <a:off x="7629523" y="1107831"/>
+            <a:off x="7629523" y="977948"/>
             <a:ext cx="4177812" cy="369332"/>
           </a:xfrm>
           <a:prstGeom prst="rect">
@@ -3480,8 +3484,8 @@
         </p:nvSpPr>
         <p:spPr>
           <a:xfrm>
-            <a:off x="386127" y="3429000"/>
-            <a:ext cx="4177812" cy="369332"/>
+            <a:off x="0" y="3429000"/>
+            <a:ext cx="6128657" cy="369332"/>
           </a:xfrm>
           <a:prstGeom prst="rect">
             <a:avLst/>
@@ -3516,8 +3520,8 @@
         </p:nvSpPr>
         <p:spPr>
           <a:xfrm>
-            <a:off x="7629523" y="3429000"/>
-            <a:ext cx="4177812" cy="369332"/>
+            <a:off x="6128658" y="3429000"/>
+            <a:ext cx="6063342" cy="369332"/>
           </a:xfrm>
           <a:prstGeom prst="rect">
             <a:avLst/>
@@ -3538,90 +3542,80 @@
           </a:p>
         </p:txBody>
       </p:sp>
+      <p:sp>
+        <p:nvSpPr>
+          <p:cNvPr id="2" name="TextBox 1">
+            <a:extLst>
+              <a:ext uri="{FF2B5EF4-FFF2-40B4-BE49-F238E27FC236}">
+                <a16:creationId xmlns:a16="http://schemas.microsoft.com/office/drawing/2014/main" id="{6CCE4169-AF4A-894B-B5BE-87DA388923AE}"/>
+              </a:ext>
+            </a:extLst>
+          </p:cNvPr>
+          <p:cNvSpPr txBox="1"/>
+          <p:nvPr/>
+        </p:nvSpPr>
+        <p:spPr>
+          <a:xfrm>
+            <a:off x="794657" y="1477163"/>
+            <a:ext cx="3767818" cy="738664"/>
+          </a:xfrm>
+          <a:prstGeom prst="rect">
+            <a:avLst/>
+          </a:prstGeom>
+          <a:noFill/>
+        </p:spPr>
+        <p:txBody>
+          <a:bodyPr wrap="square" rtlCol="0">
+            <a:spAutoFit/>
+          </a:bodyPr>
+          <a:lstStyle/>
+          <a:p>
+            <a:r>
+              <a:rPr lang="en-US" sz="1400" dirty="0"/>
+              <a:t>This project uses linear algebra and simple but effective machine learning concepts in order to recognize traffic signs.  </a:t>
+            </a:r>
+          </a:p>
+        </p:txBody>
+      </p:sp>
+      <p:sp>
+        <p:nvSpPr>
+          <p:cNvPr id="3" name="TextBox 2">
+            <a:extLst>
+              <a:ext uri="{FF2B5EF4-FFF2-40B4-BE49-F238E27FC236}">
+                <a16:creationId xmlns:a16="http://schemas.microsoft.com/office/drawing/2014/main" id="{78A1D6D5-0F80-4241-A510-98573DA2C5E3}"/>
+              </a:ext>
+            </a:extLst>
+          </p:cNvPr>
+          <p:cNvSpPr txBox="1"/>
+          <p:nvPr/>
+        </p:nvSpPr>
+        <p:spPr>
+          <a:xfrm>
+            <a:off x="4562475" y="1471790"/>
+            <a:ext cx="3525611" cy="1169551"/>
+          </a:xfrm>
+          <a:prstGeom prst="rect">
+            <a:avLst/>
+          </a:prstGeom>
+          <a:noFill/>
+        </p:spPr>
+        <p:txBody>
+          <a:bodyPr wrap="square" rtlCol="0">
+            <a:spAutoFit/>
+          </a:bodyPr>
+          <a:lstStyle/>
+          <a:p>
+            <a:r>
+              <a:rPr lang="en-US" sz="1400" dirty="0"/>
+              <a:t>Using the span of several images for each sign, our project calculates the minimum error of projection onto the span of each different image in the database, and thus predicts the road sign.</a:t>
+            </a:r>
+          </a:p>
+        </p:txBody>
+      </p:sp>
     </p:spTree>
     <p:extLst>
       <p:ext uri="{BB962C8B-B14F-4D97-AF65-F5344CB8AC3E}">
         <p14:creationId xmlns:p14="http://schemas.microsoft.com/office/powerpoint/2010/main" val="3538126859"/>
-      </p:ext>
-    </p:extLst>
-  </p:cSld>
-  <p:clrMapOvr>
-    <a:masterClrMapping/>
-  </p:clrMapOvr>
-</p:sld>
-</file>
-
-<file path=ppt/slides/slide2.xml><?xml version="1.0" encoding="utf-8"?>
-<p:sld xmlns:a="http://schemas.openxmlformats.org/drawingml/2006/main" xmlns:r="http://schemas.openxmlformats.org/officeDocument/2006/relationships" xmlns:p="http://schemas.openxmlformats.org/presentationml/2006/main">
-  <p:cSld>
-    <p:spTree>
-      <p:nvGrpSpPr>
-        <p:cNvPr id="1" name=""/>
-        <p:cNvGrpSpPr/>
-        <p:nvPr/>
-      </p:nvGrpSpPr>
-      <p:grpSpPr>
-        <a:xfrm>
-          <a:off x="0" y="0"/>
-          <a:ext cx="0" cy="0"/>
-          <a:chOff x="0" y="0"/>
-          <a:chExt cx="0" cy="0"/>
-        </a:xfrm>
-      </p:grpSpPr>
-      <p:sp>
-        <p:nvSpPr>
-          <p:cNvPr id="2" name="Title 1">
-            <a:extLst>
-              <a:ext uri="{FF2B5EF4-FFF2-40B4-BE49-F238E27FC236}">
-                <a16:creationId xmlns:a16="http://schemas.microsoft.com/office/drawing/2014/main" id="{0EC9B28A-37B9-4722-9D07-46DA1367BAB5}"/>
-              </a:ext>
-            </a:extLst>
-          </p:cNvPr>
-          <p:cNvSpPr>
-            <a:spLocks noGrp="1"/>
-          </p:cNvSpPr>
-          <p:nvPr>
-            <p:ph type="title"/>
-          </p:nvPr>
-        </p:nvSpPr>
-        <p:spPr/>
-        <p:txBody>
-          <a:bodyPr/>
-          <a:lstStyle/>
-          <a:p>
-            <a:endParaRPr lang="en-US"/>
-          </a:p>
-        </p:txBody>
-      </p:sp>
-      <p:sp>
-        <p:nvSpPr>
-          <p:cNvPr id="3" name="Content Placeholder 2">
-            <a:extLst>
-              <a:ext uri="{FF2B5EF4-FFF2-40B4-BE49-F238E27FC236}">
-                <a16:creationId xmlns:a16="http://schemas.microsoft.com/office/drawing/2014/main" id="{9927ADD9-9723-4E10-A21A-928B404C9CC5}"/>
-              </a:ext>
-            </a:extLst>
-          </p:cNvPr>
-          <p:cNvSpPr>
-            <a:spLocks noGrp="1"/>
-          </p:cNvSpPr>
-          <p:nvPr>
-            <p:ph idx="1"/>
-          </p:nvPr>
-        </p:nvSpPr>
-        <p:spPr/>
-        <p:txBody>
-          <a:bodyPr/>
-          <a:lstStyle/>
-          <a:p>
-            <a:endParaRPr lang="en-US"/>
-          </a:p>
-        </p:txBody>
-      </p:sp>
-    </p:spTree>
-    <p:extLst>
-      <p:ext uri="{BB962C8B-B14F-4D97-AF65-F5344CB8AC3E}">
-        <p14:creationId xmlns:p14="http://schemas.microsoft.com/office/powerpoint/2010/main" val="1549993668"/>
       </p:ext>
     </p:extLst>
   </p:cSld>

--- a/Poster.pptx
+++ b/Poster.pptx
@@ -259,7 +259,7 @@
           <a:p>
             <a:fld id="{813506D2-41B1-4164-9276-BA3365EC4562}" type="datetimeFigureOut">
               <a:rPr lang="en-US" smtClean="0"/>
-              <a:t>12/7/18</a:t>
+              <a:t>12/8/2018</a:t>
             </a:fld>
             <a:endParaRPr lang="en-US"/>
           </a:p>
@@ -457,7 +457,7 @@
           <a:p>
             <a:fld id="{813506D2-41B1-4164-9276-BA3365EC4562}" type="datetimeFigureOut">
               <a:rPr lang="en-US" smtClean="0"/>
-              <a:t>12/7/18</a:t>
+              <a:t>12/8/2018</a:t>
             </a:fld>
             <a:endParaRPr lang="en-US"/>
           </a:p>
@@ -665,7 +665,7 @@
           <a:p>
             <a:fld id="{813506D2-41B1-4164-9276-BA3365EC4562}" type="datetimeFigureOut">
               <a:rPr lang="en-US" smtClean="0"/>
-              <a:t>12/7/18</a:t>
+              <a:t>12/8/2018</a:t>
             </a:fld>
             <a:endParaRPr lang="en-US"/>
           </a:p>
@@ -863,7 +863,7 @@
           <a:p>
             <a:fld id="{813506D2-41B1-4164-9276-BA3365EC4562}" type="datetimeFigureOut">
               <a:rPr lang="en-US" smtClean="0"/>
-              <a:t>12/7/18</a:t>
+              <a:t>12/8/2018</a:t>
             </a:fld>
             <a:endParaRPr lang="en-US"/>
           </a:p>
@@ -1138,7 +1138,7 @@
           <a:p>
             <a:fld id="{813506D2-41B1-4164-9276-BA3365EC4562}" type="datetimeFigureOut">
               <a:rPr lang="en-US" smtClean="0"/>
-              <a:t>12/7/18</a:t>
+              <a:t>12/8/2018</a:t>
             </a:fld>
             <a:endParaRPr lang="en-US"/>
           </a:p>
@@ -1403,7 +1403,7 @@
           <a:p>
             <a:fld id="{813506D2-41B1-4164-9276-BA3365EC4562}" type="datetimeFigureOut">
               <a:rPr lang="en-US" smtClean="0"/>
-              <a:t>12/7/18</a:t>
+              <a:t>12/8/2018</a:t>
             </a:fld>
             <a:endParaRPr lang="en-US"/>
           </a:p>
@@ -1815,7 +1815,7 @@
           <a:p>
             <a:fld id="{813506D2-41B1-4164-9276-BA3365EC4562}" type="datetimeFigureOut">
               <a:rPr lang="en-US" smtClean="0"/>
-              <a:t>12/7/18</a:t>
+              <a:t>12/8/2018</a:t>
             </a:fld>
             <a:endParaRPr lang="en-US"/>
           </a:p>
@@ -1956,7 +1956,7 @@
           <a:p>
             <a:fld id="{813506D2-41B1-4164-9276-BA3365EC4562}" type="datetimeFigureOut">
               <a:rPr lang="en-US" smtClean="0"/>
-              <a:t>12/7/18</a:t>
+              <a:t>12/8/2018</a:t>
             </a:fld>
             <a:endParaRPr lang="en-US"/>
           </a:p>
@@ -2069,7 +2069,7 @@
           <a:p>
             <a:fld id="{813506D2-41B1-4164-9276-BA3365EC4562}" type="datetimeFigureOut">
               <a:rPr lang="en-US" smtClean="0"/>
-              <a:t>12/7/18</a:t>
+              <a:t>12/8/2018</a:t>
             </a:fld>
             <a:endParaRPr lang="en-US"/>
           </a:p>
@@ -2380,7 +2380,7 @@
           <a:p>
             <a:fld id="{813506D2-41B1-4164-9276-BA3365EC4562}" type="datetimeFigureOut">
               <a:rPr lang="en-US" smtClean="0"/>
-              <a:t>12/7/18</a:t>
+              <a:t>12/8/2018</a:t>
             </a:fld>
             <a:endParaRPr lang="en-US"/>
           </a:p>
@@ -2668,7 +2668,7 @@
           <a:p>
             <a:fld id="{813506D2-41B1-4164-9276-BA3365EC4562}" type="datetimeFigureOut">
               <a:rPr lang="en-US" smtClean="0"/>
-              <a:t>12/7/18</a:t>
+              <a:t>12/8/2018</a:t>
             </a:fld>
             <a:endParaRPr lang="en-US"/>
           </a:p>
@@ -2909,7 +2909,7 @@
           <a:p>
             <a:fld id="{813506D2-41B1-4164-9276-BA3365EC4562}" type="datetimeFigureOut">
               <a:rPr lang="en-US" smtClean="0"/>
-              <a:t>12/7/18</a:t>
+              <a:t>12/8/2018</a:t>
             </a:fld>
             <a:endParaRPr lang="en-US"/>
           </a:p>
@@ -3412,7 +3412,7 @@
         </p:nvSpPr>
         <p:spPr>
           <a:xfrm>
-            <a:off x="4007093" y="1004053"/>
+            <a:off x="4039751" y="1080647"/>
             <a:ext cx="4177812" cy="369332"/>
           </a:xfrm>
           <a:prstGeom prst="rect">
@@ -3448,7 +3448,7 @@
         </p:nvSpPr>
         <p:spPr>
           <a:xfrm>
-            <a:off x="7629523" y="977948"/>
+            <a:off x="7629525" y="1102458"/>
             <a:ext cx="4177812" cy="369332"/>
           </a:xfrm>
           <a:prstGeom prst="rect">
@@ -3521,7 +3521,7 @@
         <p:spPr>
           <a:xfrm>
             <a:off x="6128658" y="3429000"/>
-            <a:ext cx="6063342" cy="369332"/>
+            <a:ext cx="6063342" cy="1477328"/>
           </a:xfrm>
           <a:prstGeom prst="rect">
             <a:avLst/>
@@ -3539,6 +3539,35 @@
               <a:rPr lang="en-US" u="sng" dirty="0"/>
               <a:t>Further Expansion</a:t>
             </a:r>
+          </a:p>
+          <a:p>
+            <a:pPr algn="ctr"/>
+            <a:r>
+              <a:rPr lang="en-US" dirty="0"/>
+              <a:t>Least squares</a:t>
+            </a:r>
+          </a:p>
+          <a:p>
+            <a:pPr algn="ctr"/>
+            <a:r>
+              <a:rPr lang="en-US" dirty="0"/>
+              <a:t>Edge detection</a:t>
+            </a:r>
+          </a:p>
+          <a:p>
+            <a:pPr algn="ctr"/>
+            <a:r>
+              <a:rPr lang="en-US" dirty="0"/>
+              <a:t>Recognize signs from </a:t>
+            </a:r>
+            <a:r>
+              <a:rPr lang="en-US"/>
+              <a:t>an angle </a:t>
+            </a:r>
+          </a:p>
+          <a:p>
+            <a:pPr algn="ctr"/>
+            <a:endParaRPr lang="en-US" dirty="0"/>
           </a:p>
         </p:txBody>
       </p:sp>
@@ -3608,6 +3637,42 @@
             <a:r>
               <a:rPr lang="en-US" sz="1400" dirty="0"/>
               <a:t>Using the span of several images for each sign, our project calculates the minimum error of projection onto the span of each different image in the database, and thus predicts the road sign.</a:t>
+            </a:r>
+          </a:p>
+        </p:txBody>
+      </p:sp>
+      <p:sp>
+        <p:nvSpPr>
+          <p:cNvPr id="10" name="TextBox 9">
+            <a:extLst>
+              <a:ext uri="{FF2B5EF4-FFF2-40B4-BE49-F238E27FC236}">
+                <a16:creationId xmlns:a16="http://schemas.microsoft.com/office/drawing/2014/main" id="{CDE5536F-C3B6-43A9-9048-A7619E0D59E5}"/>
+              </a:ext>
+            </a:extLst>
+          </p:cNvPr>
+          <p:cNvSpPr txBox="1"/>
+          <p:nvPr/>
+        </p:nvSpPr>
+        <p:spPr>
+          <a:xfrm>
+            <a:off x="4007093" y="821986"/>
+            <a:ext cx="4177812" cy="276999"/>
+          </a:xfrm>
+          <a:prstGeom prst="rect">
+            <a:avLst/>
+          </a:prstGeom>
+          <a:noFill/>
+        </p:spPr>
+        <p:txBody>
+          <a:bodyPr wrap="square" rtlCol="0">
+            <a:spAutoFit/>
+          </a:bodyPr>
+          <a:lstStyle/>
+          <a:p>
+            <a:pPr algn="ctr"/>
+            <a:r>
+              <a:rPr lang="en-US" sz="1200" dirty="0"/>
+              <a:t>Aric Landy, John Landy, John Stefan</a:t>
             </a:r>
           </a:p>
         </p:txBody>

--- a/Poster.pptx
+++ b/Poster.pptx
@@ -134,7 +134,7 @@
           <p:cNvPr id="2" name="Title 1">
             <a:extLst>
               <a:ext uri="{FF2B5EF4-FFF2-40B4-BE49-F238E27FC236}">
-                <a16:creationId xmlns:a16="http://schemas.microsoft.com/office/drawing/2014/main" id="{F1F778BD-6245-4D5D-A308-15E4396604B7}"/>
+                <a16:creationId xmlns:a16="http://schemas.microsoft.com/office/drawing/2014/main" xmlns="" id="{F1F778BD-6245-4D5D-A308-15E4396604B7}"/>
               </a:ext>
             </a:extLst>
           </p:cNvPr>
@@ -171,7 +171,7 @@
           <p:cNvPr id="3" name="Subtitle 2">
             <a:extLst>
               <a:ext uri="{FF2B5EF4-FFF2-40B4-BE49-F238E27FC236}">
-                <a16:creationId xmlns:a16="http://schemas.microsoft.com/office/drawing/2014/main" id="{FDCD378D-468C-468F-ADB6-C96C262B4A78}"/>
+                <a16:creationId xmlns:a16="http://schemas.microsoft.com/office/drawing/2014/main" xmlns="" id="{FDCD378D-468C-468F-ADB6-C96C262B4A78}"/>
               </a:ext>
             </a:extLst>
           </p:cNvPr>
@@ -241,7 +241,7 @@
           <p:cNvPr id="4" name="Date Placeholder 3">
             <a:extLst>
               <a:ext uri="{FF2B5EF4-FFF2-40B4-BE49-F238E27FC236}">
-                <a16:creationId xmlns:a16="http://schemas.microsoft.com/office/drawing/2014/main" id="{14DBB924-0D3F-42C1-B273-ED179B8A8967}"/>
+                <a16:creationId xmlns:a16="http://schemas.microsoft.com/office/drawing/2014/main" xmlns="" id="{14DBB924-0D3F-42C1-B273-ED179B8A8967}"/>
               </a:ext>
             </a:extLst>
           </p:cNvPr>
@@ -259,7 +259,7 @@
           <a:p>
             <a:fld id="{813506D2-41B1-4164-9276-BA3365EC4562}" type="datetimeFigureOut">
               <a:rPr lang="en-US" smtClean="0"/>
-              <a:t>12/8/2018</a:t>
+              <a:t>12/8/18</a:t>
             </a:fld>
             <a:endParaRPr lang="en-US"/>
           </a:p>
@@ -270,7 +270,7 @@
           <p:cNvPr id="5" name="Footer Placeholder 4">
             <a:extLst>
               <a:ext uri="{FF2B5EF4-FFF2-40B4-BE49-F238E27FC236}">
-                <a16:creationId xmlns:a16="http://schemas.microsoft.com/office/drawing/2014/main" id="{CF4482B4-E8B8-40E8-ADC3-B88A92F03BFE}"/>
+                <a16:creationId xmlns:a16="http://schemas.microsoft.com/office/drawing/2014/main" xmlns="" id="{CF4482B4-E8B8-40E8-ADC3-B88A92F03BFE}"/>
               </a:ext>
             </a:extLst>
           </p:cNvPr>
@@ -295,7 +295,7 @@
           <p:cNvPr id="6" name="Slide Number Placeholder 5">
             <a:extLst>
               <a:ext uri="{FF2B5EF4-FFF2-40B4-BE49-F238E27FC236}">
-                <a16:creationId xmlns:a16="http://schemas.microsoft.com/office/drawing/2014/main" id="{AE637CA1-55E7-4C77-A0A3-02D8A7125AE4}"/>
+                <a16:creationId xmlns:a16="http://schemas.microsoft.com/office/drawing/2014/main" xmlns="" id="{AE637CA1-55E7-4C77-A0A3-02D8A7125AE4}"/>
               </a:ext>
             </a:extLst>
           </p:cNvPr>
@@ -354,7 +354,7 @@
           <p:cNvPr id="2" name="Title 1">
             <a:extLst>
               <a:ext uri="{FF2B5EF4-FFF2-40B4-BE49-F238E27FC236}">
-                <a16:creationId xmlns:a16="http://schemas.microsoft.com/office/drawing/2014/main" id="{E982D11C-D63A-4A47-9732-5E1268762B5F}"/>
+                <a16:creationId xmlns:a16="http://schemas.microsoft.com/office/drawing/2014/main" xmlns="" id="{E982D11C-D63A-4A47-9732-5E1268762B5F}"/>
               </a:ext>
             </a:extLst>
           </p:cNvPr>
@@ -382,7 +382,7 @@
           <p:cNvPr id="3" name="Vertical Text Placeholder 2">
             <a:extLst>
               <a:ext uri="{FF2B5EF4-FFF2-40B4-BE49-F238E27FC236}">
-                <a16:creationId xmlns:a16="http://schemas.microsoft.com/office/drawing/2014/main" id="{D3EC1444-DE0E-41F1-A3AE-0F709B93182B}"/>
+                <a16:creationId xmlns:a16="http://schemas.microsoft.com/office/drawing/2014/main" xmlns="" id="{D3EC1444-DE0E-41F1-A3AE-0F709B93182B}"/>
               </a:ext>
             </a:extLst>
           </p:cNvPr>
@@ -439,7 +439,7 @@
           <p:cNvPr id="4" name="Date Placeholder 3">
             <a:extLst>
               <a:ext uri="{FF2B5EF4-FFF2-40B4-BE49-F238E27FC236}">
-                <a16:creationId xmlns:a16="http://schemas.microsoft.com/office/drawing/2014/main" id="{3A6D9FB3-7ACA-4CD6-B9BC-C005B5635AD2}"/>
+                <a16:creationId xmlns:a16="http://schemas.microsoft.com/office/drawing/2014/main" xmlns="" id="{3A6D9FB3-7ACA-4CD6-B9BC-C005B5635AD2}"/>
               </a:ext>
             </a:extLst>
           </p:cNvPr>
@@ -457,7 +457,7 @@
           <a:p>
             <a:fld id="{813506D2-41B1-4164-9276-BA3365EC4562}" type="datetimeFigureOut">
               <a:rPr lang="en-US" smtClean="0"/>
-              <a:t>12/8/2018</a:t>
+              <a:t>12/8/18</a:t>
             </a:fld>
             <a:endParaRPr lang="en-US"/>
           </a:p>
@@ -468,7 +468,7 @@
           <p:cNvPr id="5" name="Footer Placeholder 4">
             <a:extLst>
               <a:ext uri="{FF2B5EF4-FFF2-40B4-BE49-F238E27FC236}">
-                <a16:creationId xmlns:a16="http://schemas.microsoft.com/office/drawing/2014/main" id="{00E981F0-AD29-43F3-B489-35E38162D3E3}"/>
+                <a16:creationId xmlns:a16="http://schemas.microsoft.com/office/drawing/2014/main" xmlns="" id="{00E981F0-AD29-43F3-B489-35E38162D3E3}"/>
               </a:ext>
             </a:extLst>
           </p:cNvPr>
@@ -493,7 +493,7 @@
           <p:cNvPr id="6" name="Slide Number Placeholder 5">
             <a:extLst>
               <a:ext uri="{FF2B5EF4-FFF2-40B4-BE49-F238E27FC236}">
-                <a16:creationId xmlns:a16="http://schemas.microsoft.com/office/drawing/2014/main" id="{115FBC1E-C816-42C2-8DA1-CB7882FD48FE}"/>
+                <a16:creationId xmlns:a16="http://schemas.microsoft.com/office/drawing/2014/main" xmlns="" id="{115FBC1E-C816-42C2-8DA1-CB7882FD48FE}"/>
               </a:ext>
             </a:extLst>
           </p:cNvPr>
@@ -552,7 +552,7 @@
           <p:cNvPr id="2" name="Vertical Title 1">
             <a:extLst>
               <a:ext uri="{FF2B5EF4-FFF2-40B4-BE49-F238E27FC236}">
-                <a16:creationId xmlns:a16="http://schemas.microsoft.com/office/drawing/2014/main" id="{B884741D-97CA-488A-AB85-CB252B726E3D}"/>
+                <a16:creationId xmlns:a16="http://schemas.microsoft.com/office/drawing/2014/main" xmlns="" id="{B884741D-97CA-488A-AB85-CB252B726E3D}"/>
               </a:ext>
             </a:extLst>
           </p:cNvPr>
@@ -585,7 +585,7 @@
           <p:cNvPr id="3" name="Vertical Text Placeholder 2">
             <a:extLst>
               <a:ext uri="{FF2B5EF4-FFF2-40B4-BE49-F238E27FC236}">
-                <a16:creationId xmlns:a16="http://schemas.microsoft.com/office/drawing/2014/main" id="{1F736635-93F4-448B-B88A-FC9707312300}"/>
+                <a16:creationId xmlns:a16="http://schemas.microsoft.com/office/drawing/2014/main" xmlns="" id="{1F736635-93F4-448B-B88A-FC9707312300}"/>
               </a:ext>
             </a:extLst>
           </p:cNvPr>
@@ -647,7 +647,7 @@
           <p:cNvPr id="4" name="Date Placeholder 3">
             <a:extLst>
               <a:ext uri="{FF2B5EF4-FFF2-40B4-BE49-F238E27FC236}">
-                <a16:creationId xmlns:a16="http://schemas.microsoft.com/office/drawing/2014/main" id="{FD29F677-65E8-486A-96CC-EAD3F87BC3AE}"/>
+                <a16:creationId xmlns:a16="http://schemas.microsoft.com/office/drawing/2014/main" xmlns="" id="{FD29F677-65E8-486A-96CC-EAD3F87BC3AE}"/>
               </a:ext>
             </a:extLst>
           </p:cNvPr>
@@ -665,7 +665,7 @@
           <a:p>
             <a:fld id="{813506D2-41B1-4164-9276-BA3365EC4562}" type="datetimeFigureOut">
               <a:rPr lang="en-US" smtClean="0"/>
-              <a:t>12/8/2018</a:t>
+              <a:t>12/8/18</a:t>
             </a:fld>
             <a:endParaRPr lang="en-US"/>
           </a:p>
@@ -676,7 +676,7 @@
           <p:cNvPr id="5" name="Footer Placeholder 4">
             <a:extLst>
               <a:ext uri="{FF2B5EF4-FFF2-40B4-BE49-F238E27FC236}">
-                <a16:creationId xmlns:a16="http://schemas.microsoft.com/office/drawing/2014/main" id="{3EC086F9-410A-498A-9DE9-7E6A6093157A}"/>
+                <a16:creationId xmlns:a16="http://schemas.microsoft.com/office/drawing/2014/main" xmlns="" id="{3EC086F9-410A-498A-9DE9-7E6A6093157A}"/>
               </a:ext>
             </a:extLst>
           </p:cNvPr>
@@ -701,7 +701,7 @@
           <p:cNvPr id="6" name="Slide Number Placeholder 5">
             <a:extLst>
               <a:ext uri="{FF2B5EF4-FFF2-40B4-BE49-F238E27FC236}">
-                <a16:creationId xmlns:a16="http://schemas.microsoft.com/office/drawing/2014/main" id="{D91D1C7B-87F6-4D6A-8DD3-DD591D1FA448}"/>
+                <a16:creationId xmlns:a16="http://schemas.microsoft.com/office/drawing/2014/main" xmlns="" id="{D91D1C7B-87F6-4D6A-8DD3-DD591D1FA448}"/>
               </a:ext>
             </a:extLst>
           </p:cNvPr>
@@ -760,7 +760,7 @@
           <p:cNvPr id="2" name="Title 1">
             <a:extLst>
               <a:ext uri="{FF2B5EF4-FFF2-40B4-BE49-F238E27FC236}">
-                <a16:creationId xmlns:a16="http://schemas.microsoft.com/office/drawing/2014/main" id="{D895BE3E-EA75-4D99-95EF-FCF31E5413CA}"/>
+                <a16:creationId xmlns:a16="http://schemas.microsoft.com/office/drawing/2014/main" xmlns="" id="{D895BE3E-EA75-4D99-95EF-FCF31E5413CA}"/>
               </a:ext>
             </a:extLst>
           </p:cNvPr>
@@ -788,7 +788,7 @@
           <p:cNvPr id="3" name="Content Placeholder 2">
             <a:extLst>
               <a:ext uri="{FF2B5EF4-FFF2-40B4-BE49-F238E27FC236}">
-                <a16:creationId xmlns:a16="http://schemas.microsoft.com/office/drawing/2014/main" id="{D3653BE4-1289-4733-A943-26A93E280810}"/>
+                <a16:creationId xmlns:a16="http://schemas.microsoft.com/office/drawing/2014/main" xmlns="" id="{D3653BE4-1289-4733-A943-26A93E280810}"/>
               </a:ext>
             </a:extLst>
           </p:cNvPr>
@@ -845,7 +845,7 @@
           <p:cNvPr id="4" name="Date Placeholder 3">
             <a:extLst>
               <a:ext uri="{FF2B5EF4-FFF2-40B4-BE49-F238E27FC236}">
-                <a16:creationId xmlns:a16="http://schemas.microsoft.com/office/drawing/2014/main" id="{4F49E31A-F9D3-4A02-A1F7-FDEB4B30675B}"/>
+                <a16:creationId xmlns:a16="http://schemas.microsoft.com/office/drawing/2014/main" xmlns="" id="{4F49E31A-F9D3-4A02-A1F7-FDEB4B30675B}"/>
               </a:ext>
             </a:extLst>
           </p:cNvPr>
@@ -863,7 +863,7 @@
           <a:p>
             <a:fld id="{813506D2-41B1-4164-9276-BA3365EC4562}" type="datetimeFigureOut">
               <a:rPr lang="en-US" smtClean="0"/>
-              <a:t>12/8/2018</a:t>
+              <a:t>12/8/18</a:t>
             </a:fld>
             <a:endParaRPr lang="en-US"/>
           </a:p>
@@ -874,7 +874,7 @@
           <p:cNvPr id="5" name="Footer Placeholder 4">
             <a:extLst>
               <a:ext uri="{FF2B5EF4-FFF2-40B4-BE49-F238E27FC236}">
-                <a16:creationId xmlns:a16="http://schemas.microsoft.com/office/drawing/2014/main" id="{C522FE54-8331-4DED-B697-B2B42BEB5A32}"/>
+                <a16:creationId xmlns:a16="http://schemas.microsoft.com/office/drawing/2014/main" xmlns="" id="{C522FE54-8331-4DED-B697-B2B42BEB5A32}"/>
               </a:ext>
             </a:extLst>
           </p:cNvPr>
@@ -899,7 +899,7 @@
           <p:cNvPr id="6" name="Slide Number Placeholder 5">
             <a:extLst>
               <a:ext uri="{FF2B5EF4-FFF2-40B4-BE49-F238E27FC236}">
-                <a16:creationId xmlns:a16="http://schemas.microsoft.com/office/drawing/2014/main" id="{A5579819-34E7-49A3-B03B-959EB0860D81}"/>
+                <a16:creationId xmlns:a16="http://schemas.microsoft.com/office/drawing/2014/main" xmlns="" id="{A5579819-34E7-49A3-B03B-959EB0860D81}"/>
               </a:ext>
             </a:extLst>
           </p:cNvPr>
@@ -958,7 +958,7 @@
           <p:cNvPr id="2" name="Title 1">
             <a:extLst>
               <a:ext uri="{FF2B5EF4-FFF2-40B4-BE49-F238E27FC236}">
-                <a16:creationId xmlns:a16="http://schemas.microsoft.com/office/drawing/2014/main" id="{25F656C7-F468-4206-8738-ED3268CD391E}"/>
+                <a16:creationId xmlns:a16="http://schemas.microsoft.com/office/drawing/2014/main" xmlns="" id="{25F656C7-F468-4206-8738-ED3268CD391E}"/>
               </a:ext>
             </a:extLst>
           </p:cNvPr>
@@ -995,7 +995,7 @@
           <p:cNvPr id="3" name="Text Placeholder 2">
             <a:extLst>
               <a:ext uri="{FF2B5EF4-FFF2-40B4-BE49-F238E27FC236}">
-                <a16:creationId xmlns:a16="http://schemas.microsoft.com/office/drawing/2014/main" id="{B56DB2E1-F796-4BFC-9C53-648BDDF8800C}"/>
+                <a16:creationId xmlns:a16="http://schemas.microsoft.com/office/drawing/2014/main" xmlns="" id="{B56DB2E1-F796-4BFC-9C53-648BDDF8800C}"/>
               </a:ext>
             </a:extLst>
           </p:cNvPr>
@@ -1120,7 +1120,7 @@
           <p:cNvPr id="4" name="Date Placeholder 3">
             <a:extLst>
               <a:ext uri="{FF2B5EF4-FFF2-40B4-BE49-F238E27FC236}">
-                <a16:creationId xmlns:a16="http://schemas.microsoft.com/office/drawing/2014/main" id="{D1B5A373-B102-4A76-870A-EC1AD3044DB7}"/>
+                <a16:creationId xmlns:a16="http://schemas.microsoft.com/office/drawing/2014/main" xmlns="" id="{D1B5A373-B102-4A76-870A-EC1AD3044DB7}"/>
               </a:ext>
             </a:extLst>
           </p:cNvPr>
@@ -1138,7 +1138,7 @@
           <a:p>
             <a:fld id="{813506D2-41B1-4164-9276-BA3365EC4562}" type="datetimeFigureOut">
               <a:rPr lang="en-US" smtClean="0"/>
-              <a:t>12/8/2018</a:t>
+              <a:t>12/8/18</a:t>
             </a:fld>
             <a:endParaRPr lang="en-US"/>
           </a:p>
@@ -1149,7 +1149,7 @@
           <p:cNvPr id="5" name="Footer Placeholder 4">
             <a:extLst>
               <a:ext uri="{FF2B5EF4-FFF2-40B4-BE49-F238E27FC236}">
-                <a16:creationId xmlns:a16="http://schemas.microsoft.com/office/drawing/2014/main" id="{9F88E82C-2019-48BD-8D9D-EA8A59EBFD91}"/>
+                <a16:creationId xmlns:a16="http://schemas.microsoft.com/office/drawing/2014/main" xmlns="" id="{9F88E82C-2019-48BD-8D9D-EA8A59EBFD91}"/>
               </a:ext>
             </a:extLst>
           </p:cNvPr>
@@ -1174,7 +1174,7 @@
           <p:cNvPr id="6" name="Slide Number Placeholder 5">
             <a:extLst>
               <a:ext uri="{FF2B5EF4-FFF2-40B4-BE49-F238E27FC236}">
-                <a16:creationId xmlns:a16="http://schemas.microsoft.com/office/drawing/2014/main" id="{39F9D853-C2B9-419E-A569-689806149A94}"/>
+                <a16:creationId xmlns:a16="http://schemas.microsoft.com/office/drawing/2014/main" xmlns="" id="{39F9D853-C2B9-419E-A569-689806149A94}"/>
               </a:ext>
             </a:extLst>
           </p:cNvPr>
@@ -1233,7 +1233,7 @@
           <p:cNvPr id="2" name="Title 1">
             <a:extLst>
               <a:ext uri="{FF2B5EF4-FFF2-40B4-BE49-F238E27FC236}">
-                <a16:creationId xmlns:a16="http://schemas.microsoft.com/office/drawing/2014/main" id="{7F1E6825-E280-4803-84E2-A2E6D58A51C5}"/>
+                <a16:creationId xmlns:a16="http://schemas.microsoft.com/office/drawing/2014/main" xmlns="" id="{7F1E6825-E280-4803-84E2-A2E6D58A51C5}"/>
               </a:ext>
             </a:extLst>
           </p:cNvPr>
@@ -1261,7 +1261,7 @@
           <p:cNvPr id="3" name="Content Placeholder 2">
             <a:extLst>
               <a:ext uri="{FF2B5EF4-FFF2-40B4-BE49-F238E27FC236}">
-                <a16:creationId xmlns:a16="http://schemas.microsoft.com/office/drawing/2014/main" id="{F54617B6-768E-4E0B-B19A-7BF63A37D7E4}"/>
+                <a16:creationId xmlns:a16="http://schemas.microsoft.com/office/drawing/2014/main" xmlns="" id="{F54617B6-768E-4E0B-B19A-7BF63A37D7E4}"/>
               </a:ext>
             </a:extLst>
           </p:cNvPr>
@@ -1323,7 +1323,7 @@
           <p:cNvPr id="4" name="Content Placeholder 3">
             <a:extLst>
               <a:ext uri="{FF2B5EF4-FFF2-40B4-BE49-F238E27FC236}">
-                <a16:creationId xmlns:a16="http://schemas.microsoft.com/office/drawing/2014/main" id="{C84EC998-8385-45C1-8001-78509889E5BA}"/>
+                <a16:creationId xmlns:a16="http://schemas.microsoft.com/office/drawing/2014/main" xmlns="" id="{C84EC998-8385-45C1-8001-78509889E5BA}"/>
               </a:ext>
             </a:extLst>
           </p:cNvPr>
@@ -1385,7 +1385,7 @@
           <p:cNvPr id="5" name="Date Placeholder 4">
             <a:extLst>
               <a:ext uri="{FF2B5EF4-FFF2-40B4-BE49-F238E27FC236}">
-                <a16:creationId xmlns:a16="http://schemas.microsoft.com/office/drawing/2014/main" id="{DFD60BB1-3F41-4AC6-AB47-EF5C6D2C0682}"/>
+                <a16:creationId xmlns:a16="http://schemas.microsoft.com/office/drawing/2014/main" xmlns="" id="{DFD60BB1-3F41-4AC6-AB47-EF5C6D2C0682}"/>
               </a:ext>
             </a:extLst>
           </p:cNvPr>
@@ -1403,7 +1403,7 @@
           <a:p>
             <a:fld id="{813506D2-41B1-4164-9276-BA3365EC4562}" type="datetimeFigureOut">
               <a:rPr lang="en-US" smtClean="0"/>
-              <a:t>12/8/2018</a:t>
+              <a:t>12/8/18</a:t>
             </a:fld>
             <a:endParaRPr lang="en-US"/>
           </a:p>
@@ -1414,7 +1414,7 @@
           <p:cNvPr id="6" name="Footer Placeholder 5">
             <a:extLst>
               <a:ext uri="{FF2B5EF4-FFF2-40B4-BE49-F238E27FC236}">
-                <a16:creationId xmlns:a16="http://schemas.microsoft.com/office/drawing/2014/main" id="{830365E0-3389-4351-B14D-4DEEAB90EA12}"/>
+                <a16:creationId xmlns:a16="http://schemas.microsoft.com/office/drawing/2014/main" xmlns="" id="{830365E0-3389-4351-B14D-4DEEAB90EA12}"/>
               </a:ext>
             </a:extLst>
           </p:cNvPr>
@@ -1439,7 +1439,7 @@
           <p:cNvPr id="7" name="Slide Number Placeholder 6">
             <a:extLst>
               <a:ext uri="{FF2B5EF4-FFF2-40B4-BE49-F238E27FC236}">
-                <a16:creationId xmlns:a16="http://schemas.microsoft.com/office/drawing/2014/main" id="{8B3EA843-6334-40C4-B4BE-257D54536B49}"/>
+                <a16:creationId xmlns:a16="http://schemas.microsoft.com/office/drawing/2014/main" xmlns="" id="{8B3EA843-6334-40C4-B4BE-257D54536B49}"/>
               </a:ext>
             </a:extLst>
           </p:cNvPr>
@@ -1498,7 +1498,7 @@
           <p:cNvPr id="2" name="Title 1">
             <a:extLst>
               <a:ext uri="{FF2B5EF4-FFF2-40B4-BE49-F238E27FC236}">
-                <a16:creationId xmlns:a16="http://schemas.microsoft.com/office/drawing/2014/main" id="{920459FD-458B-4616-8D59-A7FB4D1DDEBF}"/>
+                <a16:creationId xmlns:a16="http://schemas.microsoft.com/office/drawing/2014/main" xmlns="" id="{920459FD-458B-4616-8D59-A7FB4D1DDEBF}"/>
               </a:ext>
             </a:extLst>
           </p:cNvPr>
@@ -1531,7 +1531,7 @@
           <p:cNvPr id="3" name="Text Placeholder 2">
             <a:extLst>
               <a:ext uri="{FF2B5EF4-FFF2-40B4-BE49-F238E27FC236}">
-                <a16:creationId xmlns:a16="http://schemas.microsoft.com/office/drawing/2014/main" id="{BA1E9A30-E307-4295-82C0-4D3BCBCD5E01}"/>
+                <a16:creationId xmlns:a16="http://schemas.microsoft.com/office/drawing/2014/main" xmlns="" id="{BA1E9A30-E307-4295-82C0-4D3BCBCD5E01}"/>
               </a:ext>
             </a:extLst>
           </p:cNvPr>
@@ -1602,7 +1602,7 @@
           <p:cNvPr id="4" name="Content Placeholder 3">
             <a:extLst>
               <a:ext uri="{FF2B5EF4-FFF2-40B4-BE49-F238E27FC236}">
-                <a16:creationId xmlns:a16="http://schemas.microsoft.com/office/drawing/2014/main" id="{33ECB4E3-FE11-4B4A-8063-41AC9D7276FA}"/>
+                <a16:creationId xmlns:a16="http://schemas.microsoft.com/office/drawing/2014/main" xmlns="" id="{33ECB4E3-FE11-4B4A-8063-41AC9D7276FA}"/>
               </a:ext>
             </a:extLst>
           </p:cNvPr>
@@ -1664,7 +1664,7 @@
           <p:cNvPr id="5" name="Text Placeholder 4">
             <a:extLst>
               <a:ext uri="{FF2B5EF4-FFF2-40B4-BE49-F238E27FC236}">
-                <a16:creationId xmlns:a16="http://schemas.microsoft.com/office/drawing/2014/main" id="{4C332B80-5DDA-44BE-9769-2290386B19F1}"/>
+                <a16:creationId xmlns:a16="http://schemas.microsoft.com/office/drawing/2014/main" xmlns="" id="{4C332B80-5DDA-44BE-9769-2290386B19F1}"/>
               </a:ext>
             </a:extLst>
           </p:cNvPr>
@@ -1735,7 +1735,7 @@
           <p:cNvPr id="6" name="Content Placeholder 5">
             <a:extLst>
               <a:ext uri="{FF2B5EF4-FFF2-40B4-BE49-F238E27FC236}">
-                <a16:creationId xmlns:a16="http://schemas.microsoft.com/office/drawing/2014/main" id="{77D92989-5BC8-4A5B-B85D-C19F70BF4642}"/>
+                <a16:creationId xmlns:a16="http://schemas.microsoft.com/office/drawing/2014/main" xmlns="" id="{77D92989-5BC8-4A5B-B85D-C19F70BF4642}"/>
               </a:ext>
             </a:extLst>
           </p:cNvPr>
@@ -1797,7 +1797,7 @@
           <p:cNvPr id="7" name="Date Placeholder 6">
             <a:extLst>
               <a:ext uri="{FF2B5EF4-FFF2-40B4-BE49-F238E27FC236}">
-                <a16:creationId xmlns:a16="http://schemas.microsoft.com/office/drawing/2014/main" id="{459BF8BA-AF75-4C06-BB61-0F521B1AE372}"/>
+                <a16:creationId xmlns:a16="http://schemas.microsoft.com/office/drawing/2014/main" xmlns="" id="{459BF8BA-AF75-4C06-BB61-0F521B1AE372}"/>
               </a:ext>
             </a:extLst>
           </p:cNvPr>
@@ -1815,7 +1815,7 @@
           <a:p>
             <a:fld id="{813506D2-41B1-4164-9276-BA3365EC4562}" type="datetimeFigureOut">
               <a:rPr lang="en-US" smtClean="0"/>
-              <a:t>12/8/2018</a:t>
+              <a:t>12/8/18</a:t>
             </a:fld>
             <a:endParaRPr lang="en-US"/>
           </a:p>
@@ -1826,7 +1826,7 @@
           <p:cNvPr id="8" name="Footer Placeholder 7">
             <a:extLst>
               <a:ext uri="{FF2B5EF4-FFF2-40B4-BE49-F238E27FC236}">
-                <a16:creationId xmlns:a16="http://schemas.microsoft.com/office/drawing/2014/main" id="{7BA708D1-BDB1-4F17-922A-5B8981B8D41F}"/>
+                <a16:creationId xmlns:a16="http://schemas.microsoft.com/office/drawing/2014/main" xmlns="" id="{7BA708D1-BDB1-4F17-922A-5B8981B8D41F}"/>
               </a:ext>
             </a:extLst>
           </p:cNvPr>
@@ -1851,7 +1851,7 @@
           <p:cNvPr id="9" name="Slide Number Placeholder 8">
             <a:extLst>
               <a:ext uri="{FF2B5EF4-FFF2-40B4-BE49-F238E27FC236}">
-                <a16:creationId xmlns:a16="http://schemas.microsoft.com/office/drawing/2014/main" id="{B1B856F7-A160-4CE1-8D05-89324B4DC8B2}"/>
+                <a16:creationId xmlns:a16="http://schemas.microsoft.com/office/drawing/2014/main" xmlns="" id="{B1B856F7-A160-4CE1-8D05-89324B4DC8B2}"/>
               </a:ext>
             </a:extLst>
           </p:cNvPr>
@@ -1910,7 +1910,7 @@
           <p:cNvPr id="2" name="Title 1">
             <a:extLst>
               <a:ext uri="{FF2B5EF4-FFF2-40B4-BE49-F238E27FC236}">
-                <a16:creationId xmlns:a16="http://schemas.microsoft.com/office/drawing/2014/main" id="{B8EDCFF8-6A0D-4B70-8ACA-02393D8849B7}"/>
+                <a16:creationId xmlns:a16="http://schemas.microsoft.com/office/drawing/2014/main" xmlns="" id="{B8EDCFF8-6A0D-4B70-8ACA-02393D8849B7}"/>
               </a:ext>
             </a:extLst>
           </p:cNvPr>
@@ -1938,7 +1938,7 @@
           <p:cNvPr id="3" name="Date Placeholder 2">
             <a:extLst>
               <a:ext uri="{FF2B5EF4-FFF2-40B4-BE49-F238E27FC236}">
-                <a16:creationId xmlns:a16="http://schemas.microsoft.com/office/drawing/2014/main" id="{7E78F72C-D9D2-4BC4-A659-7F3934F47879}"/>
+                <a16:creationId xmlns:a16="http://schemas.microsoft.com/office/drawing/2014/main" xmlns="" id="{7E78F72C-D9D2-4BC4-A659-7F3934F47879}"/>
               </a:ext>
             </a:extLst>
           </p:cNvPr>
@@ -1956,7 +1956,7 @@
           <a:p>
             <a:fld id="{813506D2-41B1-4164-9276-BA3365EC4562}" type="datetimeFigureOut">
               <a:rPr lang="en-US" smtClean="0"/>
-              <a:t>12/8/2018</a:t>
+              <a:t>12/8/18</a:t>
             </a:fld>
             <a:endParaRPr lang="en-US"/>
           </a:p>
@@ -1967,7 +1967,7 @@
           <p:cNvPr id="4" name="Footer Placeholder 3">
             <a:extLst>
               <a:ext uri="{FF2B5EF4-FFF2-40B4-BE49-F238E27FC236}">
-                <a16:creationId xmlns:a16="http://schemas.microsoft.com/office/drawing/2014/main" id="{6DAE4D88-34B7-4E53-808C-FE84DDEE9FCF}"/>
+                <a16:creationId xmlns:a16="http://schemas.microsoft.com/office/drawing/2014/main" xmlns="" id="{6DAE4D88-34B7-4E53-808C-FE84DDEE9FCF}"/>
               </a:ext>
             </a:extLst>
           </p:cNvPr>
@@ -1992,7 +1992,7 @@
           <p:cNvPr id="5" name="Slide Number Placeholder 4">
             <a:extLst>
               <a:ext uri="{FF2B5EF4-FFF2-40B4-BE49-F238E27FC236}">
-                <a16:creationId xmlns:a16="http://schemas.microsoft.com/office/drawing/2014/main" id="{1D44D833-4550-407D-9B43-2340CD7243FB}"/>
+                <a16:creationId xmlns:a16="http://schemas.microsoft.com/office/drawing/2014/main" xmlns="" id="{1D44D833-4550-407D-9B43-2340CD7243FB}"/>
               </a:ext>
             </a:extLst>
           </p:cNvPr>
@@ -2051,7 +2051,7 @@
           <p:cNvPr id="2" name="Date Placeholder 1">
             <a:extLst>
               <a:ext uri="{FF2B5EF4-FFF2-40B4-BE49-F238E27FC236}">
-                <a16:creationId xmlns:a16="http://schemas.microsoft.com/office/drawing/2014/main" id="{1CCC9EE4-D8ED-42DA-BFD1-C52E654CDC0F}"/>
+                <a16:creationId xmlns:a16="http://schemas.microsoft.com/office/drawing/2014/main" xmlns="" id="{1CCC9EE4-D8ED-42DA-BFD1-C52E654CDC0F}"/>
               </a:ext>
             </a:extLst>
           </p:cNvPr>
@@ -2069,7 +2069,7 @@
           <a:p>
             <a:fld id="{813506D2-41B1-4164-9276-BA3365EC4562}" type="datetimeFigureOut">
               <a:rPr lang="en-US" smtClean="0"/>
-              <a:t>12/8/2018</a:t>
+              <a:t>12/8/18</a:t>
             </a:fld>
             <a:endParaRPr lang="en-US"/>
           </a:p>
@@ -2080,7 +2080,7 @@
           <p:cNvPr id="3" name="Footer Placeholder 2">
             <a:extLst>
               <a:ext uri="{FF2B5EF4-FFF2-40B4-BE49-F238E27FC236}">
-                <a16:creationId xmlns:a16="http://schemas.microsoft.com/office/drawing/2014/main" id="{D6DA8451-6E59-4475-BB3A-F22356796ECF}"/>
+                <a16:creationId xmlns:a16="http://schemas.microsoft.com/office/drawing/2014/main" xmlns="" id="{D6DA8451-6E59-4475-BB3A-F22356796ECF}"/>
               </a:ext>
             </a:extLst>
           </p:cNvPr>
@@ -2105,7 +2105,7 @@
           <p:cNvPr id="4" name="Slide Number Placeholder 3">
             <a:extLst>
               <a:ext uri="{FF2B5EF4-FFF2-40B4-BE49-F238E27FC236}">
-                <a16:creationId xmlns:a16="http://schemas.microsoft.com/office/drawing/2014/main" id="{79D083ED-5634-4CBA-BA30-047A70A2CFC2}"/>
+                <a16:creationId xmlns:a16="http://schemas.microsoft.com/office/drawing/2014/main" xmlns="" id="{79D083ED-5634-4CBA-BA30-047A70A2CFC2}"/>
               </a:ext>
             </a:extLst>
           </p:cNvPr>
@@ -2164,7 +2164,7 @@
           <p:cNvPr id="2" name="Title 1">
             <a:extLst>
               <a:ext uri="{FF2B5EF4-FFF2-40B4-BE49-F238E27FC236}">
-                <a16:creationId xmlns:a16="http://schemas.microsoft.com/office/drawing/2014/main" id="{DBA4630B-C4AE-4C46-BBE1-5995A7F41F91}"/>
+                <a16:creationId xmlns:a16="http://schemas.microsoft.com/office/drawing/2014/main" xmlns="" id="{DBA4630B-C4AE-4C46-BBE1-5995A7F41F91}"/>
               </a:ext>
             </a:extLst>
           </p:cNvPr>
@@ -2201,7 +2201,7 @@
           <p:cNvPr id="3" name="Content Placeholder 2">
             <a:extLst>
               <a:ext uri="{FF2B5EF4-FFF2-40B4-BE49-F238E27FC236}">
-                <a16:creationId xmlns:a16="http://schemas.microsoft.com/office/drawing/2014/main" id="{023D5DF8-B587-40E2-BAAD-07784022839C}"/>
+                <a16:creationId xmlns:a16="http://schemas.microsoft.com/office/drawing/2014/main" xmlns="" id="{023D5DF8-B587-40E2-BAAD-07784022839C}"/>
               </a:ext>
             </a:extLst>
           </p:cNvPr>
@@ -2291,7 +2291,7 @@
           <p:cNvPr id="4" name="Text Placeholder 3">
             <a:extLst>
               <a:ext uri="{FF2B5EF4-FFF2-40B4-BE49-F238E27FC236}">
-                <a16:creationId xmlns:a16="http://schemas.microsoft.com/office/drawing/2014/main" id="{534AD2F9-6F35-4AB3-8114-BED92E6E69E2}"/>
+                <a16:creationId xmlns:a16="http://schemas.microsoft.com/office/drawing/2014/main" xmlns="" id="{534AD2F9-6F35-4AB3-8114-BED92E6E69E2}"/>
               </a:ext>
             </a:extLst>
           </p:cNvPr>
@@ -2362,7 +2362,7 @@
           <p:cNvPr id="5" name="Date Placeholder 4">
             <a:extLst>
               <a:ext uri="{FF2B5EF4-FFF2-40B4-BE49-F238E27FC236}">
-                <a16:creationId xmlns:a16="http://schemas.microsoft.com/office/drawing/2014/main" id="{BD867BB8-C96C-46ED-BF6D-819198E3BB40}"/>
+                <a16:creationId xmlns:a16="http://schemas.microsoft.com/office/drawing/2014/main" xmlns="" id="{BD867BB8-C96C-46ED-BF6D-819198E3BB40}"/>
               </a:ext>
             </a:extLst>
           </p:cNvPr>
@@ -2380,7 +2380,7 @@
           <a:p>
             <a:fld id="{813506D2-41B1-4164-9276-BA3365EC4562}" type="datetimeFigureOut">
               <a:rPr lang="en-US" smtClean="0"/>
-              <a:t>12/8/2018</a:t>
+              <a:t>12/8/18</a:t>
             </a:fld>
             <a:endParaRPr lang="en-US"/>
           </a:p>
@@ -2391,7 +2391,7 @@
           <p:cNvPr id="6" name="Footer Placeholder 5">
             <a:extLst>
               <a:ext uri="{FF2B5EF4-FFF2-40B4-BE49-F238E27FC236}">
-                <a16:creationId xmlns:a16="http://schemas.microsoft.com/office/drawing/2014/main" id="{E125B2D6-CB93-4230-98A6-D3DC6CFD04C9}"/>
+                <a16:creationId xmlns:a16="http://schemas.microsoft.com/office/drawing/2014/main" xmlns="" id="{E125B2D6-CB93-4230-98A6-D3DC6CFD04C9}"/>
               </a:ext>
             </a:extLst>
           </p:cNvPr>
@@ -2416,7 +2416,7 @@
           <p:cNvPr id="7" name="Slide Number Placeholder 6">
             <a:extLst>
               <a:ext uri="{FF2B5EF4-FFF2-40B4-BE49-F238E27FC236}">
-                <a16:creationId xmlns:a16="http://schemas.microsoft.com/office/drawing/2014/main" id="{DC701E75-4CFA-4C0E-87C8-33181CDAAEB9}"/>
+                <a16:creationId xmlns:a16="http://schemas.microsoft.com/office/drawing/2014/main" xmlns="" id="{DC701E75-4CFA-4C0E-87C8-33181CDAAEB9}"/>
               </a:ext>
             </a:extLst>
           </p:cNvPr>
@@ -2475,7 +2475,7 @@
           <p:cNvPr id="2" name="Title 1">
             <a:extLst>
               <a:ext uri="{FF2B5EF4-FFF2-40B4-BE49-F238E27FC236}">
-                <a16:creationId xmlns:a16="http://schemas.microsoft.com/office/drawing/2014/main" id="{4F19E620-30EC-425B-BE6C-1DF149F5A7FA}"/>
+                <a16:creationId xmlns:a16="http://schemas.microsoft.com/office/drawing/2014/main" xmlns="" id="{4F19E620-30EC-425B-BE6C-1DF149F5A7FA}"/>
               </a:ext>
             </a:extLst>
           </p:cNvPr>
@@ -2512,7 +2512,7 @@
           <p:cNvPr id="3" name="Picture Placeholder 2">
             <a:extLst>
               <a:ext uri="{FF2B5EF4-FFF2-40B4-BE49-F238E27FC236}">
-                <a16:creationId xmlns:a16="http://schemas.microsoft.com/office/drawing/2014/main" id="{43064D84-CE91-43D0-BB03-7628CC5BFE7C}"/>
+                <a16:creationId xmlns:a16="http://schemas.microsoft.com/office/drawing/2014/main" xmlns="" id="{43064D84-CE91-43D0-BB03-7628CC5BFE7C}"/>
               </a:ext>
             </a:extLst>
           </p:cNvPr>
@@ -2579,7 +2579,7 @@
           <p:cNvPr id="4" name="Text Placeholder 3">
             <a:extLst>
               <a:ext uri="{FF2B5EF4-FFF2-40B4-BE49-F238E27FC236}">
-                <a16:creationId xmlns:a16="http://schemas.microsoft.com/office/drawing/2014/main" id="{DD651F20-F76C-49C4-A5E2-F24567438EBB}"/>
+                <a16:creationId xmlns:a16="http://schemas.microsoft.com/office/drawing/2014/main" xmlns="" id="{DD651F20-F76C-49C4-A5E2-F24567438EBB}"/>
               </a:ext>
             </a:extLst>
           </p:cNvPr>
@@ -2650,7 +2650,7 @@
           <p:cNvPr id="5" name="Date Placeholder 4">
             <a:extLst>
               <a:ext uri="{FF2B5EF4-FFF2-40B4-BE49-F238E27FC236}">
-                <a16:creationId xmlns:a16="http://schemas.microsoft.com/office/drawing/2014/main" id="{4C393129-399F-4492-BC9F-32714D66F799}"/>
+                <a16:creationId xmlns:a16="http://schemas.microsoft.com/office/drawing/2014/main" xmlns="" id="{4C393129-399F-4492-BC9F-32714D66F799}"/>
               </a:ext>
             </a:extLst>
           </p:cNvPr>
@@ -2668,7 +2668,7 @@
           <a:p>
             <a:fld id="{813506D2-41B1-4164-9276-BA3365EC4562}" type="datetimeFigureOut">
               <a:rPr lang="en-US" smtClean="0"/>
-              <a:t>12/8/2018</a:t>
+              <a:t>12/8/18</a:t>
             </a:fld>
             <a:endParaRPr lang="en-US"/>
           </a:p>
@@ -2679,7 +2679,7 @@
           <p:cNvPr id="6" name="Footer Placeholder 5">
             <a:extLst>
               <a:ext uri="{FF2B5EF4-FFF2-40B4-BE49-F238E27FC236}">
-                <a16:creationId xmlns:a16="http://schemas.microsoft.com/office/drawing/2014/main" id="{18C080C2-0A39-41AC-AEAC-8CDA87BE7A36}"/>
+                <a16:creationId xmlns:a16="http://schemas.microsoft.com/office/drawing/2014/main" xmlns="" id="{18C080C2-0A39-41AC-AEAC-8CDA87BE7A36}"/>
               </a:ext>
             </a:extLst>
           </p:cNvPr>
@@ -2704,7 +2704,7 @@
           <p:cNvPr id="7" name="Slide Number Placeholder 6">
             <a:extLst>
               <a:ext uri="{FF2B5EF4-FFF2-40B4-BE49-F238E27FC236}">
-                <a16:creationId xmlns:a16="http://schemas.microsoft.com/office/drawing/2014/main" id="{0337E0F2-29BE-4199-ACB9-8E5412A52FBF}"/>
+                <a16:creationId xmlns:a16="http://schemas.microsoft.com/office/drawing/2014/main" xmlns="" id="{0337E0F2-29BE-4199-ACB9-8E5412A52FBF}"/>
               </a:ext>
             </a:extLst>
           </p:cNvPr>
@@ -2768,7 +2768,7 @@
           <p:cNvPr id="2" name="Title Placeholder 1">
             <a:extLst>
               <a:ext uri="{FF2B5EF4-FFF2-40B4-BE49-F238E27FC236}">
-                <a16:creationId xmlns:a16="http://schemas.microsoft.com/office/drawing/2014/main" id="{B818526F-9D51-4907-BA72-AC6F75E754F6}"/>
+                <a16:creationId xmlns:a16="http://schemas.microsoft.com/office/drawing/2014/main" xmlns="" id="{B818526F-9D51-4907-BA72-AC6F75E754F6}"/>
               </a:ext>
             </a:extLst>
           </p:cNvPr>
@@ -2806,7 +2806,7 @@
           <p:cNvPr id="3" name="Text Placeholder 2">
             <a:extLst>
               <a:ext uri="{FF2B5EF4-FFF2-40B4-BE49-F238E27FC236}">
-                <a16:creationId xmlns:a16="http://schemas.microsoft.com/office/drawing/2014/main" id="{86A55EF5-6F68-48C5-BB9E-3F0E50A25304}"/>
+                <a16:creationId xmlns:a16="http://schemas.microsoft.com/office/drawing/2014/main" xmlns="" id="{86A55EF5-6F68-48C5-BB9E-3F0E50A25304}"/>
               </a:ext>
             </a:extLst>
           </p:cNvPr>
@@ -2873,7 +2873,7 @@
           <p:cNvPr id="4" name="Date Placeholder 3">
             <a:extLst>
               <a:ext uri="{FF2B5EF4-FFF2-40B4-BE49-F238E27FC236}">
-                <a16:creationId xmlns:a16="http://schemas.microsoft.com/office/drawing/2014/main" id="{4A8E78E4-D053-4A2D-937B-0A381D66287B}"/>
+                <a16:creationId xmlns:a16="http://schemas.microsoft.com/office/drawing/2014/main" xmlns="" id="{4A8E78E4-D053-4A2D-937B-0A381D66287B}"/>
               </a:ext>
             </a:extLst>
           </p:cNvPr>
@@ -2909,7 +2909,7 @@
           <a:p>
             <a:fld id="{813506D2-41B1-4164-9276-BA3365EC4562}" type="datetimeFigureOut">
               <a:rPr lang="en-US" smtClean="0"/>
-              <a:t>12/8/2018</a:t>
+              <a:t>12/8/18</a:t>
             </a:fld>
             <a:endParaRPr lang="en-US"/>
           </a:p>
@@ -2920,7 +2920,7 @@
           <p:cNvPr id="5" name="Footer Placeholder 4">
             <a:extLst>
               <a:ext uri="{FF2B5EF4-FFF2-40B4-BE49-F238E27FC236}">
-                <a16:creationId xmlns:a16="http://schemas.microsoft.com/office/drawing/2014/main" id="{28C9216D-B76A-4AE7-BC9E-01E57625B093}"/>
+                <a16:creationId xmlns:a16="http://schemas.microsoft.com/office/drawing/2014/main" xmlns="" id="{28C9216D-B76A-4AE7-BC9E-01E57625B093}"/>
               </a:ext>
             </a:extLst>
           </p:cNvPr>
@@ -2963,7 +2963,7 @@
           <p:cNvPr id="6" name="Slide Number Placeholder 5">
             <a:extLst>
               <a:ext uri="{FF2B5EF4-FFF2-40B4-BE49-F238E27FC236}">
-                <a16:creationId xmlns:a16="http://schemas.microsoft.com/office/drawing/2014/main" id="{24AC05FE-F59A-4902-9675-AD05D68785AB}"/>
+                <a16:creationId xmlns:a16="http://schemas.microsoft.com/office/drawing/2014/main" xmlns="" id="{24AC05FE-F59A-4902-9675-AD05D68785AB}"/>
               </a:ext>
             </a:extLst>
           </p:cNvPr>
@@ -3328,10 +3328,124 @@
       </p:grpSpPr>
       <p:sp>
         <p:nvSpPr>
+          <p:cNvPr id="49" name="Rounded Rectangle 48"/>
+          <p:cNvSpPr/>
+          <p:nvPr/>
+        </p:nvSpPr>
+        <p:spPr>
+          <a:xfrm>
+            <a:off x="2059830" y="5384848"/>
+            <a:ext cx="1249570" cy="590489"/>
+          </a:xfrm>
+          <a:prstGeom prst="roundRect">
+            <a:avLst/>
+          </a:prstGeom>
+        </p:spPr>
+        <p:style>
+          <a:lnRef idx="2">
+            <a:schemeClr val="accent1"/>
+          </a:lnRef>
+          <a:fillRef idx="1">
+            <a:schemeClr val="lt1"/>
+          </a:fillRef>
+          <a:effectRef idx="0">
+            <a:schemeClr val="accent1"/>
+          </a:effectRef>
+          <a:fontRef idx="minor">
+            <a:schemeClr val="dk1"/>
+          </a:fontRef>
+        </p:style>
+        <p:txBody>
+          <a:bodyPr rtlCol="0" anchor="ctr"/>
+          <a:lstStyle/>
+          <a:p>
+            <a:pPr algn="ctr"/>
+            <a:endParaRPr lang="en-US"/>
+          </a:p>
+        </p:txBody>
+      </p:sp>
+      <p:sp>
+        <p:nvSpPr>
+          <p:cNvPr id="40" name="Rounded Rectangle 39"/>
+          <p:cNvSpPr/>
+          <p:nvPr/>
+        </p:nvSpPr>
+        <p:spPr>
+          <a:xfrm>
+            <a:off x="99620" y="6324752"/>
+            <a:ext cx="1990237" cy="463693"/>
+          </a:xfrm>
+          <a:prstGeom prst="roundRect">
+            <a:avLst/>
+          </a:prstGeom>
+        </p:spPr>
+        <p:style>
+          <a:lnRef idx="2">
+            <a:schemeClr val="accent1"/>
+          </a:lnRef>
+          <a:fillRef idx="1">
+            <a:schemeClr val="lt1"/>
+          </a:fillRef>
+          <a:effectRef idx="0">
+            <a:schemeClr val="accent1"/>
+          </a:effectRef>
+          <a:fontRef idx="minor">
+            <a:schemeClr val="dk1"/>
+          </a:fontRef>
+        </p:style>
+        <p:txBody>
+          <a:bodyPr rtlCol="0" anchor="ctr"/>
+          <a:lstStyle/>
+          <a:p>
+            <a:pPr algn="ctr"/>
+            <a:endParaRPr lang="en-US"/>
+          </a:p>
+        </p:txBody>
+      </p:sp>
+      <p:sp>
+        <p:nvSpPr>
+          <p:cNvPr id="30" name="Rounded Rectangle 29"/>
+          <p:cNvSpPr/>
+          <p:nvPr/>
+        </p:nvSpPr>
+        <p:spPr>
+          <a:xfrm>
+            <a:off x="722258" y="5429975"/>
+            <a:ext cx="1185065" cy="463693"/>
+          </a:xfrm>
+          <a:prstGeom prst="roundRect">
+            <a:avLst/>
+          </a:prstGeom>
+        </p:spPr>
+        <p:style>
+          <a:lnRef idx="2">
+            <a:schemeClr val="accent1"/>
+          </a:lnRef>
+          <a:fillRef idx="1">
+            <a:schemeClr val="lt1"/>
+          </a:fillRef>
+          <a:effectRef idx="0">
+            <a:schemeClr val="accent1"/>
+          </a:effectRef>
+          <a:fontRef idx="minor">
+            <a:schemeClr val="dk1"/>
+          </a:fontRef>
+        </p:style>
+        <p:txBody>
+          <a:bodyPr rtlCol="0" anchor="ctr"/>
+          <a:lstStyle/>
+          <a:p>
+            <a:pPr algn="ctr"/>
+            <a:endParaRPr lang="en-US"/>
+          </a:p>
+        </p:txBody>
+      </p:sp>
+      <p:sp>
+        <p:nvSpPr>
           <p:cNvPr id="4" name="TextBox 3">
             <a:extLst>
               <a:ext uri="{FF2B5EF4-FFF2-40B4-BE49-F238E27FC236}">
-                <a16:creationId xmlns:a16="http://schemas.microsoft.com/office/drawing/2014/main" id="{579A4D21-C1AF-4900-9199-758324290211}"/>
+                <a16:creationId xmlns:a16="http://schemas.microsoft.com/office/drawing/2014/main" xmlns="" id="{579A4D21-C1AF-4900-9199-758324290211}"/>
               </a:ext>
             </a:extLst>
           </p:cNvPr>
@@ -3340,8 +3454,8 @@
         </p:nvSpPr>
         <p:spPr>
           <a:xfrm>
-            <a:off x="0" y="417878"/>
-            <a:ext cx="12192000" cy="461665"/>
+            <a:off x="0" y="62297"/>
+            <a:ext cx="12192000" cy="646331"/>
           </a:xfrm>
           <a:prstGeom prst="rect">
             <a:avLst/>
@@ -3356,7 +3470,11 @@
           <a:p>
             <a:pPr algn="ctr"/>
             <a:r>
-              <a:rPr lang="en-US" sz="2400" u="sng" dirty="0"/>
+              <a:rPr lang="en-US" sz="3600" b="1" dirty="0">
+                <a:solidFill>
+                  <a:schemeClr val="accent1"/>
+                </a:solidFill>
+              </a:rPr>
               <a:t>Traffic Sign Recognition</a:t>
             </a:r>
           </a:p>
@@ -3367,7 +3485,7 @@
           <p:cNvPr id="5" name="TextBox 4">
             <a:extLst>
               <a:ext uri="{FF2B5EF4-FFF2-40B4-BE49-F238E27FC236}">
-                <a16:creationId xmlns:a16="http://schemas.microsoft.com/office/drawing/2014/main" id="{2DFC1650-3772-4B25-A222-8F129C1B3FA7}"/>
+                <a16:creationId xmlns:a16="http://schemas.microsoft.com/office/drawing/2014/main" xmlns="" id="{2DFC1650-3772-4B25-A222-8F129C1B3FA7}"/>
               </a:ext>
             </a:extLst>
           </p:cNvPr>
@@ -3403,7 +3521,7 @@
           <p:cNvPr id="6" name="TextBox 5">
             <a:extLst>
               <a:ext uri="{FF2B5EF4-FFF2-40B4-BE49-F238E27FC236}">
-                <a16:creationId xmlns:a16="http://schemas.microsoft.com/office/drawing/2014/main" id="{6C9F7241-E6B6-4D0B-90C1-7E1E7079958B}"/>
+                <a16:creationId xmlns:a16="http://schemas.microsoft.com/office/drawing/2014/main" xmlns="" id="{6C9F7241-E6B6-4D0B-90C1-7E1E7079958B}"/>
               </a:ext>
             </a:extLst>
           </p:cNvPr>
@@ -3439,7 +3557,7 @@
           <p:cNvPr id="7" name="TextBox 6">
             <a:extLst>
               <a:ext uri="{FF2B5EF4-FFF2-40B4-BE49-F238E27FC236}">
-                <a16:creationId xmlns:a16="http://schemas.microsoft.com/office/drawing/2014/main" id="{3CAE4EFF-8C4A-419F-B89F-55F4AD3412AE}"/>
+                <a16:creationId xmlns:a16="http://schemas.microsoft.com/office/drawing/2014/main" xmlns="" id="{3CAE4EFF-8C4A-419F-B89F-55F4AD3412AE}"/>
               </a:ext>
             </a:extLst>
           </p:cNvPr>
@@ -3475,7 +3593,7 @@
           <p:cNvPr id="8" name="TextBox 7">
             <a:extLst>
               <a:ext uri="{FF2B5EF4-FFF2-40B4-BE49-F238E27FC236}">
-                <a16:creationId xmlns:a16="http://schemas.microsoft.com/office/drawing/2014/main" id="{03FF0DED-D171-4CDF-9492-3F9D4C35A755}"/>
+                <a16:creationId xmlns:a16="http://schemas.microsoft.com/office/drawing/2014/main" xmlns="" id="{03FF0DED-D171-4CDF-9492-3F9D4C35A755}"/>
               </a:ext>
             </a:extLst>
           </p:cNvPr>
@@ -3484,7 +3602,7 @@
         </p:nvSpPr>
         <p:spPr>
           <a:xfrm>
-            <a:off x="0" y="3429000"/>
+            <a:off x="99620" y="3415193"/>
             <a:ext cx="6128657" cy="369332"/>
           </a:xfrm>
           <a:prstGeom prst="rect">
@@ -3511,7 +3629,7 @@
           <p:cNvPr id="9" name="TextBox 8">
             <a:extLst>
               <a:ext uri="{FF2B5EF4-FFF2-40B4-BE49-F238E27FC236}">
-                <a16:creationId xmlns:a16="http://schemas.microsoft.com/office/drawing/2014/main" id="{6E674F1C-A57D-41E7-9B39-50FDD2772448}"/>
+                <a16:creationId xmlns:a16="http://schemas.microsoft.com/office/drawing/2014/main" xmlns="" id="{6E674F1C-A57D-41E7-9B39-50FDD2772448}"/>
               </a:ext>
             </a:extLst>
           </p:cNvPr>
@@ -3520,7 +3638,7 @@
         </p:nvSpPr>
         <p:spPr>
           <a:xfrm>
-            <a:off x="6128658" y="3429000"/>
+            <a:off x="6128658" y="3239429"/>
             <a:ext cx="6063342" cy="1477328"/>
           </a:xfrm>
           <a:prstGeom prst="rect">
@@ -3576,7 +3694,7 @@
           <p:cNvPr id="2" name="TextBox 1">
             <a:extLst>
               <a:ext uri="{FF2B5EF4-FFF2-40B4-BE49-F238E27FC236}">
-                <a16:creationId xmlns:a16="http://schemas.microsoft.com/office/drawing/2014/main" id="{6CCE4169-AF4A-894B-B5BE-87DA388923AE}"/>
+                <a16:creationId xmlns:a16="http://schemas.microsoft.com/office/drawing/2014/main" xmlns="" id="{6CCE4169-AF4A-894B-B5BE-87DA388923AE}"/>
               </a:ext>
             </a:extLst>
           </p:cNvPr>
@@ -3611,7 +3729,7 @@
           <p:cNvPr id="3" name="TextBox 2">
             <a:extLst>
               <a:ext uri="{FF2B5EF4-FFF2-40B4-BE49-F238E27FC236}">
-                <a16:creationId xmlns:a16="http://schemas.microsoft.com/office/drawing/2014/main" id="{78A1D6D5-0F80-4241-A510-98573DA2C5E3}"/>
+                <a16:creationId xmlns:a16="http://schemas.microsoft.com/office/drawing/2014/main" xmlns="" id="{78A1D6D5-0F80-4241-A510-98573DA2C5E3}"/>
               </a:ext>
             </a:extLst>
           </p:cNvPr>
@@ -3646,7 +3764,7 @@
           <p:cNvPr id="10" name="TextBox 9">
             <a:extLst>
               <a:ext uri="{FF2B5EF4-FFF2-40B4-BE49-F238E27FC236}">
-                <a16:creationId xmlns:a16="http://schemas.microsoft.com/office/drawing/2014/main" id="{CDE5536F-C3B6-43A9-9048-A7619E0D59E5}"/>
+                <a16:creationId xmlns:a16="http://schemas.microsoft.com/office/drawing/2014/main" xmlns="" id="{CDE5536F-C3B6-43A9-9048-A7619E0D59E5}"/>
               </a:ext>
             </a:extLst>
           </p:cNvPr>
@@ -3655,8 +3773,8 @@
         </p:nvSpPr>
         <p:spPr>
           <a:xfrm>
-            <a:off x="4007093" y="821986"/>
-            <a:ext cx="4177812" cy="276999"/>
+            <a:off x="4007094" y="578325"/>
+            <a:ext cx="4177812" cy="461665"/>
           </a:xfrm>
           <a:prstGeom prst="rect">
             <a:avLst/>
@@ -3672,11 +3790,667 @@
             <a:pPr algn="ctr"/>
             <a:r>
               <a:rPr lang="en-US" sz="1200" dirty="0"/>
-              <a:t>Aric Landy, John Landy, John Stefan</a:t>
-            </a:r>
-          </a:p>
-        </p:txBody>
-      </p:sp>
+              <a:t>Aric Landy, John Landy, John </a:t>
+            </a:r>
+            <a:r>
+              <a:rPr lang="en-US" sz="1200" dirty="0" smtClean="0"/>
+              <a:t>Stefan</a:t>
+            </a:r>
+          </a:p>
+          <a:p>
+            <a:pPr algn="ctr"/>
+            <a:r>
+              <a:rPr lang="en-US" sz="1200" dirty="0">
+                <a:solidFill>
+                  <a:schemeClr val="accent3"/>
+                </a:solidFill>
+              </a:rPr>
+              <a:t>https://</a:t>
+            </a:r>
+            <a:r>
+              <a:rPr lang="en-US" sz="1200" dirty="0" err="1">
+                <a:solidFill>
+                  <a:schemeClr val="accent3"/>
+                </a:solidFill>
+              </a:rPr>
+              <a:t>github.com</a:t>
+            </a:r>
+            <a:r>
+              <a:rPr lang="en-US" sz="1200" dirty="0">
+                <a:solidFill>
+                  <a:schemeClr val="accent3"/>
+                </a:solidFill>
+              </a:rPr>
+              <a:t>/Jstefan123/214Final</a:t>
+            </a:r>
+            <a:endParaRPr lang="en-US" sz="1200" dirty="0">
+              <a:solidFill>
+                <a:schemeClr val="accent3"/>
+              </a:solidFill>
+            </a:endParaRPr>
+          </a:p>
+        </p:txBody>
+      </p:sp>
+      <p:pic>
+        <p:nvPicPr>
+          <p:cNvPr id="11" name="Picture 10" descr="https://lh4.googleusercontent.com/pt_n_UjznPHo5-sIWzH3FR3pTdy4LlnOIyXkQWJFGAECkpzVn9a75mQz2_IWzkWoMshLVjeDkr-UUlNlVCEE0rrdMpNGbqwjYpviAOGeqepoy4N7fNhRHAfnmU8TkXB1lc_E36LK"/>
+          <p:cNvPicPr/>
+          <p:nvPr/>
+        </p:nvPicPr>
+        <p:blipFill rotWithShape="1">
+          <a:blip r:embed="rId2">
+            <a:extLst>
+              <a:ext uri="{28A0092B-C50C-407E-A947-70E740481C1C}">
+                <a14:useLocalDpi xmlns:a14="http://schemas.microsoft.com/office/drawing/2010/main" val="0"/>
+              </a:ext>
+            </a:extLst>
+          </a:blip>
+          <a:srcRect l="1895" t="2370" r="2369" b="1895"/>
+          <a:stretch/>
+        </p:blipFill>
+        <p:spPr bwMode="auto">
+          <a:xfrm>
+            <a:off x="136705" y="4172646"/>
+            <a:ext cx="903559" cy="881256"/>
+          </a:xfrm>
+          <a:prstGeom prst="rect">
+            <a:avLst/>
+          </a:prstGeom>
+          <a:noFill/>
+          <a:ln>
+            <a:noFill/>
+          </a:ln>
+          <a:extLst>
+            <a:ext uri="{53640926-AAD7-44D8-BBD7-CCE9431645EC}">
+              <a14:shadowObscured xmlns:a14="http://schemas.microsoft.com/office/drawing/2010/main"/>
+            </a:ext>
+          </a:extLst>
+        </p:spPr>
+      </p:pic>
+      <p:pic>
+        <p:nvPicPr>
+          <p:cNvPr id="12" name="Picture 11" descr="https://lh4.googleusercontent.com/2L1Hyg3vZSy1bSsiyJBAi_c12FK4nnL5BCrFRgLVDmqamO1JTvXlvlv0XwEoSuBM1vnMFywR_vtGuO2P3ZxhwaSGD0vHSeL-qUhA3IgpsOmIXJ4oOh7qY-tFPxCBNN3M88uHSsdJ"/>
+          <p:cNvPicPr/>
+          <p:nvPr/>
+        </p:nvPicPr>
+        <p:blipFill rotWithShape="1">
+          <a:blip r:embed="rId3">
+            <a:extLst>
+              <a:ext uri="{28A0092B-C50C-407E-A947-70E740481C1C}">
+                <a14:useLocalDpi xmlns:a14="http://schemas.microsoft.com/office/drawing/2010/main" val="0"/>
+              </a:ext>
+            </a:extLst>
+          </a:blip>
+          <a:srcRect l="1719" r="1954"/>
+          <a:stretch/>
+        </p:blipFill>
+        <p:spPr bwMode="auto">
+          <a:xfrm>
+            <a:off x="1592766" y="4172646"/>
+            <a:ext cx="842220" cy="880247"/>
+          </a:xfrm>
+          <a:prstGeom prst="rect">
+            <a:avLst/>
+          </a:prstGeom>
+          <a:noFill/>
+          <a:ln>
+            <a:noFill/>
+          </a:ln>
+        </p:spPr>
+      </p:pic>
+      <p:pic>
+        <p:nvPicPr>
+          <p:cNvPr id="13" name="Picture 12" descr="https://lh4.googleusercontent.com/W7v56P-_5rTrTBXW9jN0eg9Om-hb5kX67-_TG18_glNca77dFMU5Y-DmwsC9yCkJry0fBO6Cp84cKHrDArNdiWccIgIPsrKowI5Jc1NyDo80Q771K-oMTYfzmZNBsTSsZa_oUeeg"/>
+          <p:cNvPicPr/>
+          <p:nvPr/>
+        </p:nvPicPr>
+        <p:blipFill>
+          <a:blip r:embed="rId4">
+            <a:extLst>
+              <a:ext uri="{28A0092B-C50C-407E-A947-70E740481C1C}">
+                <a14:useLocalDpi xmlns:a14="http://schemas.microsoft.com/office/drawing/2010/main" val="0"/>
+              </a:ext>
+            </a:extLst>
+          </a:blip>
+          <a:srcRect/>
+          <a:stretch>
+            <a:fillRect/>
+          </a:stretch>
+        </p:blipFill>
+        <p:spPr bwMode="auto">
+          <a:xfrm>
+            <a:off x="3256001" y="3867328"/>
+            <a:ext cx="465310" cy="464124"/>
+          </a:xfrm>
+          <a:prstGeom prst="rect">
+            <a:avLst/>
+          </a:prstGeom>
+          <a:noFill/>
+          <a:ln>
+            <a:noFill/>
+          </a:ln>
+        </p:spPr>
+      </p:pic>
+      <p:pic>
+        <p:nvPicPr>
+          <p:cNvPr id="14" name="Picture 13" descr="https://lh3.googleusercontent.com/0EcriJt3wIppu8DbQJHQhNPNy5FPzW8vDQXEduxMwg8TdGfkhEbea7LeKvNfw-UVEie-HScS5_URtly9SCq7Fr_mVdc9QvemWUKYA0WzblNQGmcugpNwCgQV4vw2k7MK_CWU7P6i"/>
+          <p:cNvPicPr/>
+          <p:nvPr/>
+        </p:nvPicPr>
+        <p:blipFill>
+          <a:blip r:embed="rId5">
+            <a:extLst>
+              <a:ext uri="{28A0092B-C50C-407E-A947-70E740481C1C}">
+                <a14:useLocalDpi xmlns:a14="http://schemas.microsoft.com/office/drawing/2010/main" val="0"/>
+              </a:ext>
+            </a:extLst>
+          </a:blip>
+          <a:srcRect/>
+          <a:stretch>
+            <a:fillRect/>
+          </a:stretch>
+        </p:blipFill>
+        <p:spPr bwMode="auto">
+          <a:xfrm>
+            <a:off x="3259870" y="4382670"/>
+            <a:ext cx="457572" cy="460197"/>
+          </a:xfrm>
+          <a:prstGeom prst="rect">
+            <a:avLst/>
+          </a:prstGeom>
+          <a:noFill/>
+          <a:ln>
+            <a:noFill/>
+          </a:ln>
+        </p:spPr>
+      </p:pic>
+      <p:pic>
+        <p:nvPicPr>
+          <p:cNvPr id="15" name="Picture 14" descr="https://lh4.googleusercontent.com/6UiusU2bBoruj0qj1MFUjNzC9se8d3HrcIY2C25saRllOAbu97jUT4QoopQ9mn-RV4SHx1XXjeUdwxeuVxzTkBFsRg4AfWWz2ciJPrxxM9mWkf9nE5mi3ojUfl-B5niO81RL4BXV"/>
+          <p:cNvPicPr/>
+          <p:nvPr/>
+        </p:nvPicPr>
+        <p:blipFill>
+          <a:blip r:embed="rId6">
+            <a:extLst>
+              <a:ext uri="{28A0092B-C50C-407E-A947-70E740481C1C}">
+                <a14:useLocalDpi xmlns:a14="http://schemas.microsoft.com/office/drawing/2010/main" val="0"/>
+              </a:ext>
+            </a:extLst>
+          </a:blip>
+          <a:srcRect/>
+          <a:stretch>
+            <a:fillRect/>
+          </a:stretch>
+        </p:blipFill>
+        <p:spPr bwMode="auto">
+          <a:xfrm>
+            <a:off x="3259870" y="4911310"/>
+            <a:ext cx="457572" cy="460790"/>
+          </a:xfrm>
+          <a:prstGeom prst="rect">
+            <a:avLst/>
+          </a:prstGeom>
+          <a:noFill/>
+          <a:ln>
+            <a:noFill/>
+          </a:ln>
+        </p:spPr>
+      </p:pic>
+      <p:cxnSp>
+        <p:nvCxnSpPr>
+          <p:cNvPr id="17" name="Straight Arrow Connector 16"/>
+          <p:cNvCxnSpPr>
+            <a:cxnSpLocks/>
+          </p:cNvCxnSpPr>
+          <p:nvPr/>
+        </p:nvCxnSpPr>
+        <p:spPr>
+          <a:xfrm>
+            <a:off x="1170529" y="4612769"/>
+            <a:ext cx="274320" cy="0"/>
+          </a:xfrm>
+          <a:prstGeom prst="straightConnector1">
+            <a:avLst/>
+          </a:prstGeom>
+          <a:ln>
+            <a:tailEnd type="triangle"/>
+          </a:ln>
+        </p:spPr>
+        <p:style>
+          <a:lnRef idx="3">
+            <a:schemeClr val="dk1"/>
+          </a:lnRef>
+          <a:fillRef idx="0">
+            <a:schemeClr val="dk1"/>
+          </a:fillRef>
+          <a:effectRef idx="2">
+            <a:schemeClr val="dk1"/>
+          </a:effectRef>
+          <a:fontRef idx="minor">
+            <a:schemeClr val="tx1"/>
+          </a:fontRef>
+        </p:style>
+      </p:cxnSp>
+      <p:cxnSp>
+        <p:nvCxnSpPr>
+          <p:cNvPr id="18" name="Straight Arrow Connector 17"/>
+          <p:cNvCxnSpPr>
+            <a:cxnSpLocks/>
+          </p:cNvCxnSpPr>
+          <p:nvPr/>
+        </p:nvCxnSpPr>
+        <p:spPr>
+          <a:xfrm flipV="1">
+            <a:off x="2662666" y="4296832"/>
+            <a:ext cx="350156" cy="360822"/>
+          </a:xfrm>
+          <a:prstGeom prst="straightConnector1">
+            <a:avLst/>
+          </a:prstGeom>
+          <a:ln>
+            <a:tailEnd type="triangle"/>
+          </a:ln>
+        </p:spPr>
+        <p:style>
+          <a:lnRef idx="3">
+            <a:schemeClr val="dk1"/>
+          </a:lnRef>
+          <a:fillRef idx="0">
+            <a:schemeClr val="dk1"/>
+          </a:fillRef>
+          <a:effectRef idx="2">
+            <a:schemeClr val="dk1"/>
+          </a:effectRef>
+          <a:fontRef idx="minor">
+            <a:schemeClr val="tx1"/>
+          </a:fontRef>
+        </p:style>
+      </p:cxnSp>
+      <p:cxnSp>
+        <p:nvCxnSpPr>
+          <p:cNvPr id="19" name="Straight Arrow Connector 18"/>
+          <p:cNvCxnSpPr>
+            <a:cxnSpLocks/>
+          </p:cNvCxnSpPr>
+          <p:nvPr/>
+        </p:nvCxnSpPr>
+        <p:spPr>
+          <a:xfrm>
+            <a:off x="2662666" y="4657655"/>
+            <a:ext cx="365760" cy="0"/>
+          </a:xfrm>
+          <a:prstGeom prst="straightConnector1">
+            <a:avLst/>
+          </a:prstGeom>
+          <a:ln>
+            <a:tailEnd type="triangle"/>
+          </a:ln>
+        </p:spPr>
+        <p:style>
+          <a:lnRef idx="3">
+            <a:schemeClr val="dk1"/>
+          </a:lnRef>
+          <a:fillRef idx="0">
+            <a:schemeClr val="dk1"/>
+          </a:fillRef>
+          <a:effectRef idx="2">
+            <a:schemeClr val="dk1"/>
+          </a:effectRef>
+          <a:fontRef idx="minor">
+            <a:schemeClr val="tx1"/>
+          </a:fontRef>
+        </p:style>
+      </p:cxnSp>
+      <p:cxnSp>
+        <p:nvCxnSpPr>
+          <p:cNvPr id="20" name="Straight Arrow Connector 19"/>
+          <p:cNvCxnSpPr>
+            <a:cxnSpLocks/>
+          </p:cNvCxnSpPr>
+          <p:nvPr/>
+        </p:nvCxnSpPr>
+        <p:spPr>
+          <a:xfrm>
+            <a:off x="2662666" y="4657655"/>
+            <a:ext cx="355144" cy="360822"/>
+          </a:xfrm>
+          <a:prstGeom prst="straightConnector1">
+            <a:avLst/>
+          </a:prstGeom>
+          <a:ln>
+            <a:tailEnd type="triangle"/>
+          </a:ln>
+        </p:spPr>
+        <p:style>
+          <a:lnRef idx="3">
+            <a:schemeClr val="dk1"/>
+          </a:lnRef>
+          <a:fillRef idx="0">
+            <a:schemeClr val="dk1"/>
+          </a:fillRef>
+          <a:effectRef idx="2">
+            <a:schemeClr val="dk1"/>
+          </a:effectRef>
+          <a:fontRef idx="minor">
+            <a:schemeClr val="tx1"/>
+          </a:fontRef>
+        </p:style>
+      </p:cxnSp>
+      <p:sp>
+        <p:nvSpPr>
+          <p:cNvPr id="27" name="TextBox 26"/>
+          <p:cNvSpPr txBox="1"/>
+          <p:nvPr/>
+        </p:nvSpPr>
+        <p:spPr>
+          <a:xfrm>
+            <a:off x="722258" y="5421925"/>
+            <a:ext cx="1315041" cy="461665"/>
+          </a:xfrm>
+          <a:prstGeom prst="rect">
+            <a:avLst/>
+          </a:prstGeom>
+          <a:noFill/>
+        </p:spPr>
+        <p:txBody>
+          <a:bodyPr wrap="square" rtlCol="0">
+            <a:spAutoFit/>
+          </a:bodyPr>
+          <a:lstStyle/>
+          <a:p>
+            <a:r>
+              <a:rPr lang="en-US" sz="800" dirty="0" smtClean="0">
+                <a:solidFill>
+                  <a:schemeClr val="accent1"/>
+                </a:solidFill>
+              </a:rPr>
+              <a:t>Resize image to 16x16 image for more simple processing using MATLAB</a:t>
+            </a:r>
+            <a:endParaRPr lang="en-US" sz="800" dirty="0">
+              <a:solidFill>
+                <a:schemeClr val="accent1"/>
+              </a:solidFill>
+            </a:endParaRPr>
+          </a:p>
+        </p:txBody>
+      </p:sp>
+      <p:pic>
+        <p:nvPicPr>
+          <p:cNvPr id="31" name="Picture 30"/>
+          <p:cNvPicPr>
+            <a:picLocks noChangeAspect="1"/>
+          </p:cNvPicPr>
+          <p:nvPr/>
+        </p:nvPicPr>
+        <p:blipFill>
+          <a:blip r:embed="rId7"/>
+          <a:stretch>
+            <a:fillRect/>
+          </a:stretch>
+        </p:blipFill>
+        <p:spPr>
+          <a:xfrm>
+            <a:off x="152181" y="6352315"/>
+            <a:ext cx="1885117" cy="394358"/>
+          </a:xfrm>
+          <a:prstGeom prst="rect">
+            <a:avLst/>
+          </a:prstGeom>
+        </p:spPr>
+      </p:pic>
+      <p:cxnSp>
+        <p:nvCxnSpPr>
+          <p:cNvPr id="35" name="Straight Arrow Connector 34"/>
+          <p:cNvCxnSpPr>
+            <a:cxnSpLocks/>
+          </p:cNvCxnSpPr>
+          <p:nvPr/>
+        </p:nvCxnSpPr>
+        <p:spPr>
+          <a:xfrm>
+            <a:off x="1294807" y="4880239"/>
+            <a:ext cx="4294" cy="414286"/>
+          </a:xfrm>
+          <a:prstGeom prst="straightConnector1">
+            <a:avLst/>
+          </a:prstGeom>
+          <a:ln>
+            <a:solidFill>
+              <a:schemeClr val="accent1"/>
+            </a:solidFill>
+            <a:tailEnd type="triangle"/>
+          </a:ln>
+        </p:spPr>
+        <p:style>
+          <a:lnRef idx="3">
+            <a:schemeClr val="dk1"/>
+          </a:lnRef>
+          <a:fillRef idx="0">
+            <a:schemeClr val="dk1"/>
+          </a:fillRef>
+          <a:effectRef idx="2">
+            <a:schemeClr val="dk1"/>
+          </a:effectRef>
+          <a:fontRef idx="minor">
+            <a:schemeClr val="tx1"/>
+          </a:fontRef>
+        </p:style>
+      </p:cxnSp>
+      <p:cxnSp>
+        <p:nvCxnSpPr>
+          <p:cNvPr id="38" name="Straight Arrow Connector 37"/>
+          <p:cNvCxnSpPr>
+            <a:cxnSpLocks/>
+          </p:cNvCxnSpPr>
+          <p:nvPr/>
+        </p:nvCxnSpPr>
+        <p:spPr>
+          <a:xfrm flipH="1">
+            <a:off x="1040264" y="5927899"/>
+            <a:ext cx="258837" cy="362621"/>
+          </a:xfrm>
+          <a:prstGeom prst="straightConnector1">
+            <a:avLst/>
+          </a:prstGeom>
+          <a:ln>
+            <a:solidFill>
+              <a:schemeClr val="accent1"/>
+            </a:solidFill>
+            <a:tailEnd type="triangle"/>
+          </a:ln>
+        </p:spPr>
+        <p:style>
+          <a:lnRef idx="3">
+            <a:schemeClr val="dk1"/>
+          </a:lnRef>
+          <a:fillRef idx="0">
+            <a:schemeClr val="dk1"/>
+          </a:fillRef>
+          <a:effectRef idx="2">
+            <a:schemeClr val="dk1"/>
+          </a:effectRef>
+          <a:fontRef idx="minor">
+            <a:schemeClr val="tx1"/>
+          </a:fontRef>
+        </p:style>
+      </p:cxnSp>
+      <p:cxnSp>
+        <p:nvCxnSpPr>
+          <p:cNvPr id="47" name="Straight Arrow Connector 46"/>
+          <p:cNvCxnSpPr>
+            <a:cxnSpLocks/>
+          </p:cNvCxnSpPr>
+          <p:nvPr/>
+        </p:nvCxnSpPr>
+        <p:spPr>
+          <a:xfrm>
+            <a:off x="2732597" y="4992820"/>
+            <a:ext cx="4827" cy="310221"/>
+          </a:xfrm>
+          <a:prstGeom prst="straightConnector1">
+            <a:avLst/>
+          </a:prstGeom>
+          <a:ln>
+            <a:solidFill>
+              <a:schemeClr val="accent1"/>
+            </a:solidFill>
+            <a:tailEnd type="triangle"/>
+          </a:ln>
+        </p:spPr>
+        <p:style>
+          <a:lnRef idx="3">
+            <a:schemeClr val="dk1"/>
+          </a:lnRef>
+          <a:fillRef idx="0">
+            <a:schemeClr val="dk1"/>
+          </a:fillRef>
+          <a:effectRef idx="2">
+            <a:schemeClr val="dk1"/>
+          </a:effectRef>
+          <a:fontRef idx="minor">
+            <a:schemeClr val="tx1"/>
+          </a:fontRef>
+        </p:style>
+      </p:cxnSp>
+      <p:sp>
+        <p:nvSpPr>
+          <p:cNvPr id="48" name="TextBox 47"/>
+          <p:cNvSpPr txBox="1"/>
+          <p:nvPr/>
+        </p:nvSpPr>
+        <p:spPr>
+          <a:xfrm>
+            <a:off x="2064621" y="5390562"/>
+            <a:ext cx="1312094" cy="584775"/>
+          </a:xfrm>
+          <a:prstGeom prst="rect">
+            <a:avLst/>
+          </a:prstGeom>
+          <a:noFill/>
+        </p:spPr>
+        <p:txBody>
+          <a:bodyPr wrap="square" rtlCol="0">
+            <a:spAutoFit/>
+          </a:bodyPr>
+          <a:lstStyle/>
+          <a:p>
+            <a:r>
+              <a:rPr lang="en-US" sz="800" dirty="0" smtClean="0">
+                <a:solidFill>
+                  <a:schemeClr val="accent1"/>
+                </a:solidFill>
+              </a:rPr>
+              <a:t>Split the 16x16 image into its R, G, and B channels, then write these values to three separate text files</a:t>
+            </a:r>
+            <a:endParaRPr lang="en-US" sz="800" dirty="0">
+              <a:solidFill>
+                <a:schemeClr val="accent1"/>
+              </a:solidFill>
+            </a:endParaRPr>
+          </a:p>
+        </p:txBody>
+      </p:sp>
+      <p:sp>
+        <p:nvSpPr>
+          <p:cNvPr id="51" name="Rounded Rectangle 50"/>
+          <p:cNvSpPr/>
+          <p:nvPr/>
+        </p:nvSpPr>
+        <p:spPr>
+          <a:xfrm>
+            <a:off x="2353732" y="6030233"/>
+            <a:ext cx="1617133" cy="749482"/>
+          </a:xfrm>
+          <a:prstGeom prst="roundRect">
+            <a:avLst/>
+          </a:prstGeom>
+        </p:spPr>
+        <p:style>
+          <a:lnRef idx="2">
+            <a:schemeClr val="accent1"/>
+          </a:lnRef>
+          <a:fillRef idx="1">
+            <a:schemeClr val="lt1"/>
+          </a:fillRef>
+          <a:effectRef idx="0">
+            <a:schemeClr val="accent1"/>
+          </a:effectRef>
+          <a:fontRef idx="minor">
+            <a:schemeClr val="dk1"/>
+          </a:fontRef>
+        </p:style>
+        <p:txBody>
+          <a:bodyPr rtlCol="0" anchor="ctr"/>
+          <a:lstStyle/>
+          <a:p>
+            <a:pPr algn="ctr"/>
+            <a:endParaRPr lang="en-US"/>
+          </a:p>
+        </p:txBody>
+      </p:sp>
+      <p:pic>
+        <p:nvPicPr>
+          <p:cNvPr id="57" name="Picture 56"/>
+          <p:cNvPicPr>
+            <a:picLocks noChangeAspect="1"/>
+          </p:cNvPicPr>
+          <p:nvPr/>
+        </p:nvPicPr>
+        <p:blipFill rotWithShape="1">
+          <a:blip r:embed="rId8"/>
+          <a:srcRect r="1824"/>
+          <a:stretch/>
+        </p:blipFill>
+        <p:spPr>
+          <a:xfrm>
+            <a:off x="2384970" y="6080826"/>
+            <a:ext cx="1519035" cy="630656"/>
+          </a:xfrm>
+          <a:prstGeom prst="rect">
+            <a:avLst/>
+          </a:prstGeom>
+        </p:spPr>
+      </p:pic>
+      <p:cxnSp>
+        <p:nvCxnSpPr>
+          <p:cNvPr id="60" name="Straight Arrow Connector 59"/>
+          <p:cNvCxnSpPr>
+            <a:cxnSpLocks/>
+            <a:stCxn id="48" idx="3"/>
+          </p:cNvCxnSpPr>
+          <p:nvPr/>
+        </p:nvCxnSpPr>
+        <p:spPr>
+          <a:xfrm>
+            <a:off x="3376715" y="5682950"/>
+            <a:ext cx="158118" cy="292387"/>
+          </a:xfrm>
+          <a:prstGeom prst="straightConnector1">
+            <a:avLst/>
+          </a:prstGeom>
+          <a:ln>
+            <a:solidFill>
+              <a:schemeClr val="accent1"/>
+            </a:solidFill>
+            <a:tailEnd type="triangle"/>
+          </a:ln>
+        </p:spPr>
+        <p:style>
+          <a:lnRef idx="3">
+            <a:schemeClr val="dk1"/>
+          </a:lnRef>
+          <a:fillRef idx="0">
+            <a:schemeClr val="dk1"/>
+          </a:fillRef>
+          <a:effectRef idx="2">
+            <a:schemeClr val="dk1"/>
+          </a:effectRef>
+          <a:fontRef idx="minor">
+            <a:schemeClr val="tx1"/>
+          </a:fontRef>
+        </p:style>
+      </p:cxnSp>
     </p:spTree>
     <p:extLst>
       <p:ext uri="{BB962C8B-B14F-4D97-AF65-F5344CB8AC3E}">
